--- a/Spotify Project.pptx
+++ b/Spotify Project.pptx
@@ -7,6 +7,7 @@
   <p:sldIdLst>
     <p:sldId id="256" r:id="rId2"/>
     <p:sldId id="257" r:id="rId3"/>
+    <p:sldId id="258" r:id="rId4"/>
   </p:sldIdLst>
   <p:sldSz cx="12192000" cy="6858000"/>
   <p:notesSz cx="6858000" cy="9144000"/>
@@ -4617,6 +4618,14 @@
 <file path=ppt/slides/slide2.xml><?xml version="1.0" encoding="utf-8"?>
 <p:sld xmlns:a="http://schemas.openxmlformats.org/drawingml/2006/main" xmlns:r="http://schemas.openxmlformats.org/officeDocument/2006/relationships" xmlns:p="http://schemas.openxmlformats.org/presentationml/2006/main">
   <p:cSld>
+    <p:bg>
+      <p:bgPr>
+        <a:solidFill>
+          <a:schemeClr val="bg2"/>
+        </a:solidFill>
+        <a:effectLst/>
+      </p:bgPr>
+    </p:bg>
     <p:spTree>
       <p:nvGrpSpPr>
         <p:cNvPr id="1" name=""/>
@@ -4631,6 +4640,540 @@
           <a:chExt cx="0" cy="0"/>
         </a:xfrm>
       </p:grpSpPr>
+      <p:sp useBgFill="1">
+        <p:nvSpPr>
+          <p:cNvPr id="8" name="Rectangle 7">
+            <a:extLst>
+              <a:ext uri="{FF2B5EF4-FFF2-40B4-BE49-F238E27FC236}">
+                <a16:creationId xmlns:a16="http://schemas.microsoft.com/office/drawing/2014/main" id="{CF10C978-51B5-420C-9A05-C8F194EACAC3}"/>
+              </a:ext>
+              <a:ext uri="{C183D7F6-B498-43B3-948B-1728B52AA6E4}">
+                <adec:decorative xmlns:adec="http://schemas.microsoft.com/office/drawing/2017/decorative" val="1"/>
+              </a:ext>
+            </a:extLst>
+          </p:cNvPr>
+          <p:cNvSpPr>
+            <a:spLocks noGrp="1" noRot="1" noChangeAspect="1" noMove="1" noResize="1" noEditPoints="1" noAdjustHandles="1" noChangeArrowheads="1" noChangeShapeType="1" noTextEdit="1"/>
+          </p:cNvSpPr>
+          <p:nvPr>
+            <p:extLst>
+              <p:ext uri="{386F3935-93C4-4BCD-93E2-E3B085C9AB24}">
+                <p16:designElem xmlns:p16="http://schemas.microsoft.com/office/powerpoint/2015/main" val="1"/>
+              </p:ext>
+            </p:extLst>
+          </p:nvPr>
+        </p:nvSpPr>
+        <p:spPr>
+          <a:xfrm>
+            <a:off x="1903" y="-597"/>
+            <a:ext cx="12192000" cy="6857997"/>
+          </a:xfrm>
+          <a:prstGeom prst="rect">
+            <a:avLst/>
+          </a:prstGeom>
+          <a:ln>
+            <a:noFill/>
+          </a:ln>
+        </p:spPr>
+        <p:style>
+          <a:lnRef idx="2">
+            <a:schemeClr val="accent1">
+              <a:shade val="50000"/>
+            </a:schemeClr>
+          </a:lnRef>
+          <a:fillRef idx="1">
+            <a:schemeClr val="accent1"/>
+          </a:fillRef>
+          <a:effectRef idx="0">
+            <a:schemeClr val="accent1"/>
+          </a:effectRef>
+          <a:fontRef idx="minor">
+            <a:schemeClr val="lt1"/>
+          </a:fontRef>
+        </p:style>
+        <p:txBody>
+          <a:bodyPr rtlCol="0" anchor="ctr"/>
+          <a:lstStyle/>
+          <a:p>
+            <a:pPr algn="ctr"/>
+            <a:endParaRPr lang="en-US" dirty="0"/>
+          </a:p>
+        </p:txBody>
+      </p:sp>
+      <p:sp>
+        <p:nvSpPr>
+          <p:cNvPr id="10" name="Rectangle 9">
+            <a:extLst>
+              <a:ext uri="{FF2B5EF4-FFF2-40B4-BE49-F238E27FC236}">
+                <a16:creationId xmlns:a16="http://schemas.microsoft.com/office/drawing/2014/main" id="{28D34D1C-4E49-4D32-96F1-E49CEBBF86E0}"/>
+              </a:ext>
+              <a:ext uri="{C183D7F6-B498-43B3-948B-1728B52AA6E4}">
+                <adec:decorative xmlns:adec="http://schemas.microsoft.com/office/drawing/2017/decorative" val="1"/>
+              </a:ext>
+            </a:extLst>
+          </p:cNvPr>
+          <p:cNvSpPr>
+            <a:spLocks noGrp="1" noRot="1" noChangeAspect="1" noMove="1" noResize="1" noEditPoints="1" noAdjustHandles="1" noChangeArrowheads="1" noChangeShapeType="1" noTextEdit="1"/>
+          </p:cNvSpPr>
+          <p:nvPr>
+            <p:extLst>
+              <p:ext uri="{386F3935-93C4-4BCD-93E2-E3B085C9AB24}">
+                <p16:designElem xmlns:p16="http://schemas.microsoft.com/office/powerpoint/2015/main" val="1"/>
+              </p:ext>
+            </p:extLst>
+          </p:nvPr>
+        </p:nvSpPr>
+        <p:spPr>
+          <a:xfrm>
+            <a:off x="2189" y="0"/>
+            <a:ext cx="12192000" cy="6857997"/>
+          </a:xfrm>
+          <a:prstGeom prst="rect">
+            <a:avLst/>
+          </a:prstGeom>
+          <a:solidFill>
+            <a:schemeClr val="bg2">
+              <a:lumMod val="60000"/>
+              <a:lumOff val="40000"/>
+            </a:schemeClr>
+          </a:solidFill>
+          <a:ln>
+            <a:noFill/>
+          </a:ln>
+        </p:spPr>
+        <p:style>
+          <a:lnRef idx="2">
+            <a:schemeClr val="accent1">
+              <a:shade val="50000"/>
+            </a:schemeClr>
+          </a:lnRef>
+          <a:fillRef idx="1">
+            <a:schemeClr val="accent1"/>
+          </a:fillRef>
+          <a:effectRef idx="0">
+            <a:schemeClr val="accent1"/>
+          </a:effectRef>
+          <a:fontRef idx="minor">
+            <a:schemeClr val="lt1"/>
+          </a:fontRef>
+        </p:style>
+        <p:txBody>
+          <a:bodyPr rtlCol="0" anchor="ctr"/>
+          <a:lstStyle/>
+          <a:p>
+            <a:pPr algn="ctr"/>
+            <a:endParaRPr lang="en-US" dirty="0"/>
+          </a:p>
+        </p:txBody>
+      </p:sp>
+      <p:grpSp>
+        <p:nvGrpSpPr>
+          <p:cNvPr id="12" name="Group 11">
+            <a:extLst>
+              <a:ext uri="{FF2B5EF4-FFF2-40B4-BE49-F238E27FC236}">
+                <a16:creationId xmlns:a16="http://schemas.microsoft.com/office/drawing/2014/main" id="{4E94C6EB-0BD0-4926-909B-CE0EFF459E24}"/>
+              </a:ext>
+              <a:ext uri="{C183D7F6-B498-43B3-948B-1728B52AA6E4}">
+                <adec:decorative xmlns:adec="http://schemas.microsoft.com/office/drawing/2017/decorative" val="1"/>
+              </a:ext>
+            </a:extLst>
+          </p:cNvPr>
+          <p:cNvGrpSpPr>
+            <a:grpSpLocks noGrp="1" noUngrp="1" noRot="1" noChangeAspect="1" noMove="1" noResize="1"/>
+          </p:cNvGrpSpPr>
+          <p:nvPr>
+            <p:extLst>
+              <p:ext uri="{386F3935-93C4-4BCD-93E2-E3B085C9AB24}">
+                <p16:designElem xmlns:p16="http://schemas.microsoft.com/office/powerpoint/2015/main" val="1"/>
+              </p:ext>
+            </p:extLst>
+          </p:nvPr>
+        </p:nvGrpSpPr>
+        <p:grpSpPr>
+          <a:xfrm>
+            <a:off x="1667" y="-1"/>
+            <a:ext cx="12195239" cy="6857996"/>
+            <a:chOff x="1667" y="-1"/>
+            <a:chExt cx="12195239" cy="6857996"/>
+          </a:xfrm>
+        </p:grpSpPr>
+        <p:cxnSp>
+          <p:nvCxnSpPr>
+            <p:cNvPr id="13" name="Straight Connector 12">
+              <a:extLst>
+                <a:ext uri="{FF2B5EF4-FFF2-40B4-BE49-F238E27FC236}">
+                  <a16:creationId xmlns:a16="http://schemas.microsoft.com/office/drawing/2014/main" id="{FD8D9AC5-1A8B-4F43-99E1-1D51CFFCF107}"/>
+                </a:ext>
+                <a:ext uri="{C183D7F6-B498-43B3-948B-1728B52AA6E4}">
+                  <adec:decorative xmlns:adec="http://schemas.microsoft.com/office/drawing/2017/decorative" val="1"/>
+                </a:ext>
+              </a:extLst>
+            </p:cNvPr>
+            <p:cNvCxnSpPr>
+              <a:cxnSpLocks/>
+            </p:cNvCxnSpPr>
+            <p:nvPr>
+              <p:extLst>
+                <p:ext uri="{386F3935-93C4-4BCD-93E2-E3B085C9AB24}">
+                  <p16:designElem xmlns:p16="http://schemas.microsoft.com/office/powerpoint/2015/main" val="1"/>
+                </p:ext>
+              </p:extLst>
+            </p:nvPr>
+          </p:nvCxnSpPr>
+          <p:spPr>
+            <a:xfrm>
+              <a:off x="1667" y="6276706"/>
+              <a:ext cx="12189811" cy="0"/>
+            </a:xfrm>
+            <a:prstGeom prst="line">
+              <a:avLst/>
+            </a:prstGeom>
+            <a:ln w="12700">
+              <a:solidFill>
+                <a:schemeClr val="accent4"/>
+              </a:solidFill>
+            </a:ln>
+          </p:spPr>
+          <p:style>
+            <a:lnRef idx="1">
+              <a:schemeClr val="accent1"/>
+            </a:lnRef>
+            <a:fillRef idx="0">
+              <a:schemeClr val="accent1"/>
+            </a:fillRef>
+            <a:effectRef idx="0">
+              <a:schemeClr val="accent1"/>
+            </a:effectRef>
+            <a:fontRef idx="minor">
+              <a:schemeClr val="tx1"/>
+            </a:fontRef>
+          </p:style>
+        </p:cxnSp>
+        <p:cxnSp>
+          <p:nvCxnSpPr>
+            <p:cNvPr id="14" name="Straight Connector 13">
+              <a:extLst>
+                <a:ext uri="{FF2B5EF4-FFF2-40B4-BE49-F238E27FC236}">
+                  <a16:creationId xmlns:a16="http://schemas.microsoft.com/office/drawing/2014/main" id="{1249B524-B22D-40A1-81F7-459441A7E204}"/>
+                </a:ext>
+                <a:ext uri="{C183D7F6-B498-43B3-948B-1728B52AA6E4}">
+                  <adec:decorative xmlns:adec="http://schemas.microsoft.com/office/drawing/2017/decorative" val="1"/>
+                </a:ext>
+              </a:extLst>
+            </p:cNvPr>
+            <p:cNvCxnSpPr>
+              <a:cxnSpLocks/>
+            </p:cNvCxnSpPr>
+            <p:nvPr>
+              <p:extLst>
+                <p:ext uri="{386F3935-93C4-4BCD-93E2-E3B085C9AB24}">
+                  <p16:designElem xmlns:p16="http://schemas.microsoft.com/office/powerpoint/2015/main" val="1"/>
+                </p:ext>
+              </p:extLst>
+            </p:nvPr>
+          </p:nvCxnSpPr>
+          <p:spPr>
+            <a:xfrm>
+              <a:off x="4906" y="580876"/>
+              <a:ext cx="12192000" cy="0"/>
+            </a:xfrm>
+            <a:prstGeom prst="line">
+              <a:avLst/>
+            </a:prstGeom>
+            <a:ln w="12700">
+              <a:solidFill>
+                <a:schemeClr val="accent4"/>
+              </a:solidFill>
+            </a:ln>
+          </p:spPr>
+          <p:style>
+            <a:lnRef idx="1">
+              <a:schemeClr val="accent1"/>
+            </a:lnRef>
+            <a:fillRef idx="0">
+              <a:schemeClr val="accent1"/>
+            </a:fillRef>
+            <a:effectRef idx="0">
+              <a:schemeClr val="accent1"/>
+            </a:effectRef>
+            <a:fontRef idx="minor">
+              <a:schemeClr val="tx1"/>
+            </a:fontRef>
+          </p:style>
+        </p:cxnSp>
+        <p:cxnSp>
+          <p:nvCxnSpPr>
+            <p:cNvPr id="15" name="Straight Connector 14">
+              <a:extLst>
+                <a:ext uri="{FF2B5EF4-FFF2-40B4-BE49-F238E27FC236}">
+                  <a16:creationId xmlns:a16="http://schemas.microsoft.com/office/drawing/2014/main" id="{C8CCE87E-3564-469A-9A46-F794A0F940E8}"/>
+                </a:ext>
+                <a:ext uri="{C183D7F6-B498-43B3-948B-1728B52AA6E4}">
+                  <adec:decorative xmlns:adec="http://schemas.microsoft.com/office/drawing/2017/decorative" val="1"/>
+                </a:ext>
+              </a:extLst>
+            </p:cNvPr>
+            <p:cNvCxnSpPr>
+              <a:cxnSpLocks/>
+            </p:cNvCxnSpPr>
+            <p:nvPr>
+              <p:extLst>
+                <p:ext uri="{386F3935-93C4-4BCD-93E2-E3B085C9AB24}">
+                  <p16:designElem xmlns:p16="http://schemas.microsoft.com/office/powerpoint/2015/main" val="1"/>
+                </p:ext>
+              </p:extLst>
+            </p:nvPr>
+          </p:nvCxnSpPr>
+          <p:spPr>
+            <a:xfrm rot="16200000">
+              <a:off x="8134324" y="3428956"/>
+              <a:ext cx="6857912" cy="0"/>
+            </a:xfrm>
+            <a:prstGeom prst="line">
+              <a:avLst/>
+            </a:prstGeom>
+            <a:ln w="12700">
+              <a:solidFill>
+                <a:schemeClr val="accent4"/>
+              </a:solidFill>
+            </a:ln>
+          </p:spPr>
+          <p:style>
+            <a:lnRef idx="1">
+              <a:schemeClr val="accent1"/>
+            </a:lnRef>
+            <a:fillRef idx="0">
+              <a:schemeClr val="accent1"/>
+            </a:fillRef>
+            <a:effectRef idx="0">
+              <a:schemeClr val="accent1"/>
+            </a:effectRef>
+            <a:fontRef idx="minor">
+              <a:schemeClr val="tx1"/>
+            </a:fontRef>
+          </p:style>
+        </p:cxnSp>
+        <p:cxnSp>
+          <p:nvCxnSpPr>
+            <p:cNvPr id="16" name="Straight Connector 15">
+              <a:extLst>
+                <a:ext uri="{FF2B5EF4-FFF2-40B4-BE49-F238E27FC236}">
+                  <a16:creationId xmlns:a16="http://schemas.microsoft.com/office/drawing/2014/main" id="{04C96A98-5EF6-4542-9FA4-86B1D2651A94}"/>
+                </a:ext>
+                <a:ext uri="{C183D7F6-B498-43B3-948B-1728B52AA6E4}">
+                  <adec:decorative xmlns:adec="http://schemas.microsoft.com/office/drawing/2017/decorative" val="1"/>
+                </a:ext>
+              </a:extLst>
+            </p:cNvPr>
+            <p:cNvCxnSpPr>
+              <a:cxnSpLocks/>
+            </p:cNvCxnSpPr>
+            <p:nvPr>
+              <p:extLst>
+                <p:ext uri="{386F3935-93C4-4BCD-93E2-E3B085C9AB24}">
+                  <p16:designElem xmlns:p16="http://schemas.microsoft.com/office/powerpoint/2015/main" val="1"/>
+                </p:ext>
+              </p:extLst>
+            </p:nvPr>
+          </p:nvCxnSpPr>
+          <p:spPr>
+            <a:xfrm rot="16200000">
+              <a:off x="-2794261" y="3428956"/>
+              <a:ext cx="6857912" cy="0"/>
+            </a:xfrm>
+            <a:prstGeom prst="line">
+              <a:avLst/>
+            </a:prstGeom>
+            <a:ln w="12700">
+              <a:solidFill>
+                <a:schemeClr val="accent4"/>
+              </a:solidFill>
+            </a:ln>
+          </p:spPr>
+          <p:style>
+            <a:lnRef idx="1">
+              <a:schemeClr val="accent1"/>
+            </a:lnRef>
+            <a:fillRef idx="0">
+              <a:schemeClr val="accent1"/>
+            </a:fillRef>
+            <a:effectRef idx="0">
+              <a:schemeClr val="accent1"/>
+            </a:effectRef>
+            <a:fontRef idx="minor">
+              <a:schemeClr val="tx1"/>
+            </a:fontRef>
+          </p:style>
+        </p:cxnSp>
+        <p:sp>
+          <p:nvSpPr>
+            <p:cNvPr id="17" name="Graphic 33">
+              <a:extLst>
+                <a:ext uri="{FF2B5EF4-FFF2-40B4-BE49-F238E27FC236}">
+                  <a16:creationId xmlns:a16="http://schemas.microsoft.com/office/drawing/2014/main" id="{3BF088B1-D6D6-4925-9B48-5098FF09D036}"/>
+                </a:ext>
+                <a:ext uri="{C183D7F6-B498-43B3-948B-1728B52AA6E4}">
+                  <adec:decorative xmlns:adec="http://schemas.microsoft.com/office/drawing/2017/decorative" val="1"/>
+                </a:ext>
+              </a:extLst>
+            </p:cNvPr>
+            <p:cNvSpPr/>
+            <p:nvPr>
+              <p:extLst>
+                <p:ext uri="{386F3935-93C4-4BCD-93E2-E3B085C9AB24}">
+                  <p16:designElem xmlns:p16="http://schemas.microsoft.com/office/powerpoint/2015/main" val="1"/>
+                </p:ext>
+              </p:extLst>
+            </p:nvPr>
+          </p:nvSpPr>
+          <p:spPr>
+            <a:xfrm>
+              <a:off x="4277016" y="-1"/>
+              <a:ext cx="3637968" cy="580875"/>
+            </a:xfrm>
+            <a:custGeom>
+              <a:avLst/>
+              <a:gdLst>
+                <a:gd name="connsiteX0" fmla="*/ 0 w 2679858"/>
+                <a:gd name="connsiteY0" fmla="*/ 4953 h 434911"/>
+                <a:gd name="connsiteX1" fmla="*/ 1336548 w 2679858"/>
+                <a:gd name="connsiteY1" fmla="*/ 434912 h 434911"/>
+                <a:gd name="connsiteX2" fmla="*/ 2679859 w 2679858"/>
+                <a:gd name="connsiteY2" fmla="*/ 0 h 434911"/>
+              </a:gdLst>
+              <a:ahLst/>
+              <a:cxnLst>
+                <a:cxn ang="0">
+                  <a:pos x="connsiteX0" y="connsiteY0"/>
+                </a:cxn>
+                <a:cxn ang="0">
+                  <a:pos x="connsiteX1" y="connsiteY1"/>
+                </a:cxn>
+                <a:cxn ang="0">
+                  <a:pos x="connsiteX2" y="connsiteY2"/>
+                </a:cxn>
+              </a:cxnLst>
+              <a:rect l="l" t="t" r="r" b="b"/>
+              <a:pathLst>
+                <a:path w="2679858" h="434911">
+                  <a:moveTo>
+                    <a:pt x="0" y="4953"/>
+                  </a:moveTo>
+                  <a:cubicBezTo>
+                    <a:pt x="370427" y="274606"/>
+                    <a:pt x="833723" y="434912"/>
+                    <a:pt x="1336548" y="434912"/>
+                  </a:cubicBezTo>
+                  <a:cubicBezTo>
+                    <a:pt x="1842326" y="434912"/>
+                    <a:pt x="2308289" y="272701"/>
+                    <a:pt x="2679859" y="0"/>
+                  </a:cubicBezTo>
+                </a:path>
+              </a:pathLst>
+            </a:custGeom>
+            <a:noFill/>
+            <a:ln w="12700" cap="flat">
+              <a:solidFill>
+                <a:schemeClr val="accent4"/>
+              </a:solidFill>
+              <a:prstDash val="solid"/>
+              <a:miter/>
+            </a:ln>
+          </p:spPr>
+          <p:txBody>
+            <a:bodyPr rtlCol="0" anchor="ctr"/>
+            <a:lstStyle/>
+            <a:p>
+              <a:endParaRPr lang="en-US" dirty="0"/>
+            </a:p>
+          </p:txBody>
+        </p:sp>
+        <p:sp>
+          <p:nvSpPr>
+            <p:cNvPr id="18" name="Graphic 33">
+              <a:extLst>
+                <a:ext uri="{FF2B5EF4-FFF2-40B4-BE49-F238E27FC236}">
+                  <a16:creationId xmlns:a16="http://schemas.microsoft.com/office/drawing/2014/main" id="{6FA7DFD7-863A-4016-A231-DCB28B20D095}"/>
+                </a:ext>
+                <a:ext uri="{C183D7F6-B498-43B3-948B-1728B52AA6E4}">
+                  <adec:decorative xmlns:adec="http://schemas.microsoft.com/office/drawing/2017/decorative" val="1"/>
+                </a:ext>
+              </a:extLst>
+            </p:cNvPr>
+            <p:cNvSpPr/>
+            <p:nvPr>
+              <p:extLst>
+                <p:ext uri="{386F3935-93C4-4BCD-93E2-E3B085C9AB24}">
+                  <p16:designElem xmlns:p16="http://schemas.microsoft.com/office/powerpoint/2015/main" val="1"/>
+                </p:ext>
+              </p:extLst>
+            </p:nvPr>
+          </p:nvSpPr>
+          <p:spPr>
+            <a:xfrm rot="10800000">
+              <a:off x="4305089" y="6276705"/>
+              <a:ext cx="3581824" cy="581290"/>
+            </a:xfrm>
+            <a:custGeom>
+              <a:avLst/>
+              <a:gdLst>
+                <a:gd name="connsiteX0" fmla="*/ 0 w 2679858"/>
+                <a:gd name="connsiteY0" fmla="*/ 4953 h 434911"/>
+                <a:gd name="connsiteX1" fmla="*/ 1336548 w 2679858"/>
+                <a:gd name="connsiteY1" fmla="*/ 434912 h 434911"/>
+                <a:gd name="connsiteX2" fmla="*/ 2679859 w 2679858"/>
+                <a:gd name="connsiteY2" fmla="*/ 0 h 434911"/>
+              </a:gdLst>
+              <a:ahLst/>
+              <a:cxnLst>
+                <a:cxn ang="0">
+                  <a:pos x="connsiteX0" y="connsiteY0"/>
+                </a:cxn>
+                <a:cxn ang="0">
+                  <a:pos x="connsiteX1" y="connsiteY1"/>
+                </a:cxn>
+                <a:cxn ang="0">
+                  <a:pos x="connsiteX2" y="connsiteY2"/>
+                </a:cxn>
+              </a:cxnLst>
+              <a:rect l="l" t="t" r="r" b="b"/>
+              <a:pathLst>
+                <a:path w="2679858" h="434911">
+                  <a:moveTo>
+                    <a:pt x="0" y="4953"/>
+                  </a:moveTo>
+                  <a:cubicBezTo>
+                    <a:pt x="370427" y="274606"/>
+                    <a:pt x="833723" y="434912"/>
+                    <a:pt x="1336548" y="434912"/>
+                  </a:cubicBezTo>
+                  <a:cubicBezTo>
+                    <a:pt x="1842326" y="434912"/>
+                    <a:pt x="2308289" y="272701"/>
+                    <a:pt x="2679859" y="0"/>
+                  </a:cubicBezTo>
+                </a:path>
+              </a:pathLst>
+            </a:custGeom>
+            <a:noFill/>
+            <a:ln w="12700" cap="flat">
+              <a:solidFill>
+                <a:schemeClr val="accent4"/>
+              </a:solidFill>
+              <a:prstDash val="solid"/>
+              <a:miter/>
+            </a:ln>
+          </p:spPr>
+          <p:txBody>
+            <a:bodyPr rtlCol="0" anchor="ctr"/>
+            <a:lstStyle/>
+            <a:p>
+              <a:endParaRPr lang="en-US" dirty="0"/>
+            </a:p>
+          </p:txBody>
+        </p:sp>
+      </p:grpSp>
       <p:sp>
         <p:nvSpPr>
           <p:cNvPr id="2" name="Title 1">
@@ -4647,12 +5190,22 @@
             <p:ph type="title"/>
           </p:nvPr>
         </p:nvSpPr>
-        <p:spPr/>
-        <p:txBody>
-          <a:bodyPr/>
+        <p:spPr>
+          <a:xfrm>
+            <a:off x="838200" y="827727"/>
+            <a:ext cx="8648158" cy="1495887"/>
+          </a:xfrm>
+        </p:spPr>
+        <p:txBody>
+          <a:bodyPr>
+            <a:normAutofit/>
+          </a:bodyPr>
           <a:lstStyle/>
           <a:p>
-            <a:endParaRPr lang="en-US"/>
+            <a:r>
+              <a:rPr lang="en-US" dirty="0"/>
+              <a:t>Project Background</a:t>
+            </a:r>
           </a:p>
         </p:txBody>
       </p:sp>
@@ -4672,12 +5225,34 @@
             <p:ph idx="1"/>
           </p:nvPr>
         </p:nvSpPr>
-        <p:spPr/>
-        <p:txBody>
-          <a:bodyPr/>
+        <p:spPr>
+          <a:xfrm>
+            <a:off x="838200" y="2434196"/>
+            <a:ext cx="8648158" cy="3430575"/>
+          </a:xfrm>
+        </p:spPr>
+        <p:txBody>
+          <a:bodyPr>
+            <a:normAutofit/>
+          </a:bodyPr>
           <a:lstStyle/>
           <a:p>
-            <a:endParaRPr lang="en-US"/>
+            <a:r>
+              <a:rPr lang="en-US" dirty="0"/>
+              <a:t>Using Spotify and Billboard Top 100 API data, we intend to show trends in music over time</a:t>
+            </a:r>
+          </a:p>
+          <a:p>
+            <a:r>
+              <a:rPr lang="en-US" dirty="0"/>
+              <a:t>We will visualize the top albums by year with a comparison for two different years – including bar charts for audio features (energy, danceability, tempo, duration)</a:t>
+            </a:r>
+          </a:p>
+          <a:p>
+            <a:r>
+              <a:rPr lang="en-US" dirty="0"/>
+              <a:t>We will also show a word cloud visualization based on playlist descriptions by Spotify playlist category and the top songs by chosen year with bubble charts of the lyric frequency of those songs</a:t>
+            </a:r>
           </a:p>
         </p:txBody>
       </p:sp>
@@ -4689,7 +5264,643 @@
     </p:extLst>
   </p:cSld>
   <p:clrMapOvr>
-    <a:masterClrMapping/>
+    <a:overrideClrMapping bg1="dk1" tx1="lt1" bg2="dk2" tx2="lt2" accent1="accent1" accent2="accent2" accent3="accent3" accent4="accent4" accent5="accent5" accent6="accent6" hlink="hlink" folHlink="folHlink"/>
+  </p:clrMapOvr>
+</p:sld>
+</file>
+
+<file path=ppt/slides/slide3.xml><?xml version="1.0" encoding="utf-8"?>
+<p:sld xmlns:a="http://schemas.openxmlformats.org/drawingml/2006/main" xmlns:r="http://schemas.openxmlformats.org/officeDocument/2006/relationships" xmlns:p="http://schemas.openxmlformats.org/presentationml/2006/main">
+  <p:cSld>
+    <p:bg>
+      <p:bgPr>
+        <a:solidFill>
+          <a:schemeClr val="bg2"/>
+        </a:solidFill>
+        <a:effectLst/>
+      </p:bgPr>
+    </p:bg>
+    <p:spTree>
+      <p:nvGrpSpPr>
+        <p:cNvPr id="1" name=""/>
+        <p:cNvGrpSpPr/>
+        <p:nvPr/>
+      </p:nvGrpSpPr>
+      <p:grpSpPr>
+        <a:xfrm>
+          <a:off x="0" y="0"/>
+          <a:ext cx="0" cy="0"/>
+          <a:chOff x="0" y="0"/>
+          <a:chExt cx="0" cy="0"/>
+        </a:xfrm>
+      </p:grpSpPr>
+      <p:sp useBgFill="1">
+        <p:nvSpPr>
+          <p:cNvPr id="8" name="Rectangle 7">
+            <a:extLst>
+              <a:ext uri="{FF2B5EF4-FFF2-40B4-BE49-F238E27FC236}">
+                <a16:creationId xmlns:a16="http://schemas.microsoft.com/office/drawing/2014/main" id="{CF10C978-51B5-420C-9A05-C8F194EACAC3}"/>
+              </a:ext>
+              <a:ext uri="{C183D7F6-B498-43B3-948B-1728B52AA6E4}">
+                <adec:decorative xmlns:adec="http://schemas.microsoft.com/office/drawing/2017/decorative" val="1"/>
+              </a:ext>
+            </a:extLst>
+          </p:cNvPr>
+          <p:cNvSpPr>
+            <a:spLocks noGrp="1" noRot="1" noChangeAspect="1" noMove="1" noResize="1" noEditPoints="1" noAdjustHandles="1" noChangeArrowheads="1" noChangeShapeType="1" noTextEdit="1"/>
+          </p:cNvSpPr>
+          <p:nvPr>
+            <p:extLst>
+              <p:ext uri="{386F3935-93C4-4BCD-93E2-E3B085C9AB24}">
+                <p16:designElem xmlns:p16="http://schemas.microsoft.com/office/powerpoint/2015/main" val="1"/>
+              </p:ext>
+            </p:extLst>
+          </p:nvPr>
+        </p:nvSpPr>
+        <p:spPr>
+          <a:xfrm>
+            <a:off x="1903" y="-597"/>
+            <a:ext cx="12192000" cy="6857997"/>
+          </a:xfrm>
+          <a:prstGeom prst="rect">
+            <a:avLst/>
+          </a:prstGeom>
+          <a:ln>
+            <a:noFill/>
+          </a:ln>
+        </p:spPr>
+        <p:style>
+          <a:lnRef idx="2">
+            <a:schemeClr val="accent1">
+              <a:shade val="50000"/>
+            </a:schemeClr>
+          </a:lnRef>
+          <a:fillRef idx="1">
+            <a:schemeClr val="accent1"/>
+          </a:fillRef>
+          <a:effectRef idx="0">
+            <a:schemeClr val="accent1"/>
+          </a:effectRef>
+          <a:fontRef idx="minor">
+            <a:schemeClr val="lt1"/>
+          </a:fontRef>
+        </p:style>
+        <p:txBody>
+          <a:bodyPr rtlCol="0" anchor="ctr"/>
+          <a:lstStyle/>
+          <a:p>
+            <a:pPr algn="ctr"/>
+            <a:endParaRPr lang="en-US" dirty="0"/>
+          </a:p>
+        </p:txBody>
+      </p:sp>
+      <p:sp>
+        <p:nvSpPr>
+          <p:cNvPr id="10" name="Rectangle 9">
+            <a:extLst>
+              <a:ext uri="{FF2B5EF4-FFF2-40B4-BE49-F238E27FC236}">
+                <a16:creationId xmlns:a16="http://schemas.microsoft.com/office/drawing/2014/main" id="{28D34D1C-4E49-4D32-96F1-E49CEBBF86E0}"/>
+              </a:ext>
+              <a:ext uri="{C183D7F6-B498-43B3-948B-1728B52AA6E4}">
+                <adec:decorative xmlns:adec="http://schemas.microsoft.com/office/drawing/2017/decorative" val="1"/>
+              </a:ext>
+            </a:extLst>
+          </p:cNvPr>
+          <p:cNvSpPr>
+            <a:spLocks noGrp="1" noRot="1" noChangeAspect="1" noMove="1" noResize="1" noEditPoints="1" noAdjustHandles="1" noChangeArrowheads="1" noChangeShapeType="1" noTextEdit="1"/>
+          </p:cNvSpPr>
+          <p:nvPr>
+            <p:extLst>
+              <p:ext uri="{386F3935-93C4-4BCD-93E2-E3B085C9AB24}">
+                <p16:designElem xmlns:p16="http://schemas.microsoft.com/office/powerpoint/2015/main" val="1"/>
+              </p:ext>
+            </p:extLst>
+          </p:nvPr>
+        </p:nvSpPr>
+        <p:spPr>
+          <a:xfrm>
+            <a:off x="2189" y="0"/>
+            <a:ext cx="12192000" cy="6857997"/>
+          </a:xfrm>
+          <a:prstGeom prst="rect">
+            <a:avLst/>
+          </a:prstGeom>
+          <a:solidFill>
+            <a:schemeClr val="bg2">
+              <a:lumMod val="60000"/>
+              <a:lumOff val="40000"/>
+            </a:schemeClr>
+          </a:solidFill>
+          <a:ln>
+            <a:noFill/>
+          </a:ln>
+        </p:spPr>
+        <p:style>
+          <a:lnRef idx="2">
+            <a:schemeClr val="accent1">
+              <a:shade val="50000"/>
+            </a:schemeClr>
+          </a:lnRef>
+          <a:fillRef idx="1">
+            <a:schemeClr val="accent1"/>
+          </a:fillRef>
+          <a:effectRef idx="0">
+            <a:schemeClr val="accent1"/>
+          </a:effectRef>
+          <a:fontRef idx="minor">
+            <a:schemeClr val="lt1"/>
+          </a:fontRef>
+        </p:style>
+        <p:txBody>
+          <a:bodyPr rtlCol="0" anchor="ctr"/>
+          <a:lstStyle/>
+          <a:p>
+            <a:pPr algn="ctr"/>
+            <a:endParaRPr lang="en-US" dirty="0"/>
+          </a:p>
+        </p:txBody>
+      </p:sp>
+      <p:grpSp>
+        <p:nvGrpSpPr>
+          <p:cNvPr id="12" name="Group 11">
+            <a:extLst>
+              <a:ext uri="{FF2B5EF4-FFF2-40B4-BE49-F238E27FC236}">
+                <a16:creationId xmlns:a16="http://schemas.microsoft.com/office/drawing/2014/main" id="{4E94C6EB-0BD0-4926-909B-CE0EFF459E24}"/>
+              </a:ext>
+              <a:ext uri="{C183D7F6-B498-43B3-948B-1728B52AA6E4}">
+                <adec:decorative xmlns:adec="http://schemas.microsoft.com/office/drawing/2017/decorative" val="1"/>
+              </a:ext>
+            </a:extLst>
+          </p:cNvPr>
+          <p:cNvGrpSpPr>
+            <a:grpSpLocks noGrp="1" noUngrp="1" noRot="1" noChangeAspect="1" noMove="1" noResize="1"/>
+          </p:cNvGrpSpPr>
+          <p:nvPr>
+            <p:extLst>
+              <p:ext uri="{386F3935-93C4-4BCD-93E2-E3B085C9AB24}">
+                <p16:designElem xmlns:p16="http://schemas.microsoft.com/office/powerpoint/2015/main" val="1"/>
+              </p:ext>
+            </p:extLst>
+          </p:nvPr>
+        </p:nvGrpSpPr>
+        <p:grpSpPr>
+          <a:xfrm>
+            <a:off x="1667" y="-1"/>
+            <a:ext cx="12195239" cy="6857996"/>
+            <a:chOff x="1667" y="-1"/>
+            <a:chExt cx="12195239" cy="6857996"/>
+          </a:xfrm>
+        </p:grpSpPr>
+        <p:cxnSp>
+          <p:nvCxnSpPr>
+            <p:cNvPr id="13" name="Straight Connector 12">
+              <a:extLst>
+                <a:ext uri="{FF2B5EF4-FFF2-40B4-BE49-F238E27FC236}">
+                  <a16:creationId xmlns:a16="http://schemas.microsoft.com/office/drawing/2014/main" id="{FD8D9AC5-1A8B-4F43-99E1-1D51CFFCF107}"/>
+                </a:ext>
+                <a:ext uri="{C183D7F6-B498-43B3-948B-1728B52AA6E4}">
+                  <adec:decorative xmlns:adec="http://schemas.microsoft.com/office/drawing/2017/decorative" val="1"/>
+                </a:ext>
+              </a:extLst>
+            </p:cNvPr>
+            <p:cNvCxnSpPr>
+              <a:cxnSpLocks/>
+            </p:cNvCxnSpPr>
+            <p:nvPr>
+              <p:extLst>
+                <p:ext uri="{386F3935-93C4-4BCD-93E2-E3B085C9AB24}">
+                  <p16:designElem xmlns:p16="http://schemas.microsoft.com/office/powerpoint/2015/main" val="1"/>
+                </p:ext>
+              </p:extLst>
+            </p:nvPr>
+          </p:nvCxnSpPr>
+          <p:spPr>
+            <a:xfrm>
+              <a:off x="1667" y="6276706"/>
+              <a:ext cx="12189811" cy="0"/>
+            </a:xfrm>
+            <a:prstGeom prst="line">
+              <a:avLst/>
+            </a:prstGeom>
+            <a:ln w="12700">
+              <a:solidFill>
+                <a:schemeClr val="accent4"/>
+              </a:solidFill>
+            </a:ln>
+          </p:spPr>
+          <p:style>
+            <a:lnRef idx="1">
+              <a:schemeClr val="accent1"/>
+            </a:lnRef>
+            <a:fillRef idx="0">
+              <a:schemeClr val="accent1"/>
+            </a:fillRef>
+            <a:effectRef idx="0">
+              <a:schemeClr val="accent1"/>
+            </a:effectRef>
+            <a:fontRef idx="minor">
+              <a:schemeClr val="tx1"/>
+            </a:fontRef>
+          </p:style>
+        </p:cxnSp>
+        <p:cxnSp>
+          <p:nvCxnSpPr>
+            <p:cNvPr id="14" name="Straight Connector 13">
+              <a:extLst>
+                <a:ext uri="{FF2B5EF4-FFF2-40B4-BE49-F238E27FC236}">
+                  <a16:creationId xmlns:a16="http://schemas.microsoft.com/office/drawing/2014/main" id="{1249B524-B22D-40A1-81F7-459441A7E204}"/>
+                </a:ext>
+                <a:ext uri="{C183D7F6-B498-43B3-948B-1728B52AA6E4}">
+                  <adec:decorative xmlns:adec="http://schemas.microsoft.com/office/drawing/2017/decorative" val="1"/>
+                </a:ext>
+              </a:extLst>
+            </p:cNvPr>
+            <p:cNvCxnSpPr>
+              <a:cxnSpLocks/>
+            </p:cNvCxnSpPr>
+            <p:nvPr>
+              <p:extLst>
+                <p:ext uri="{386F3935-93C4-4BCD-93E2-E3B085C9AB24}">
+                  <p16:designElem xmlns:p16="http://schemas.microsoft.com/office/powerpoint/2015/main" val="1"/>
+                </p:ext>
+              </p:extLst>
+            </p:nvPr>
+          </p:nvCxnSpPr>
+          <p:spPr>
+            <a:xfrm>
+              <a:off x="4906" y="580876"/>
+              <a:ext cx="12192000" cy="0"/>
+            </a:xfrm>
+            <a:prstGeom prst="line">
+              <a:avLst/>
+            </a:prstGeom>
+            <a:ln w="12700">
+              <a:solidFill>
+                <a:schemeClr val="accent4"/>
+              </a:solidFill>
+            </a:ln>
+          </p:spPr>
+          <p:style>
+            <a:lnRef idx="1">
+              <a:schemeClr val="accent1"/>
+            </a:lnRef>
+            <a:fillRef idx="0">
+              <a:schemeClr val="accent1"/>
+            </a:fillRef>
+            <a:effectRef idx="0">
+              <a:schemeClr val="accent1"/>
+            </a:effectRef>
+            <a:fontRef idx="minor">
+              <a:schemeClr val="tx1"/>
+            </a:fontRef>
+          </p:style>
+        </p:cxnSp>
+        <p:cxnSp>
+          <p:nvCxnSpPr>
+            <p:cNvPr id="15" name="Straight Connector 14">
+              <a:extLst>
+                <a:ext uri="{FF2B5EF4-FFF2-40B4-BE49-F238E27FC236}">
+                  <a16:creationId xmlns:a16="http://schemas.microsoft.com/office/drawing/2014/main" id="{C8CCE87E-3564-469A-9A46-F794A0F940E8}"/>
+                </a:ext>
+                <a:ext uri="{C183D7F6-B498-43B3-948B-1728B52AA6E4}">
+                  <adec:decorative xmlns:adec="http://schemas.microsoft.com/office/drawing/2017/decorative" val="1"/>
+                </a:ext>
+              </a:extLst>
+            </p:cNvPr>
+            <p:cNvCxnSpPr>
+              <a:cxnSpLocks/>
+            </p:cNvCxnSpPr>
+            <p:nvPr>
+              <p:extLst>
+                <p:ext uri="{386F3935-93C4-4BCD-93E2-E3B085C9AB24}">
+                  <p16:designElem xmlns:p16="http://schemas.microsoft.com/office/powerpoint/2015/main" val="1"/>
+                </p:ext>
+              </p:extLst>
+            </p:nvPr>
+          </p:nvCxnSpPr>
+          <p:spPr>
+            <a:xfrm rot="16200000">
+              <a:off x="8134324" y="3428956"/>
+              <a:ext cx="6857912" cy="0"/>
+            </a:xfrm>
+            <a:prstGeom prst="line">
+              <a:avLst/>
+            </a:prstGeom>
+            <a:ln w="12700">
+              <a:solidFill>
+                <a:schemeClr val="accent4"/>
+              </a:solidFill>
+            </a:ln>
+          </p:spPr>
+          <p:style>
+            <a:lnRef idx="1">
+              <a:schemeClr val="accent1"/>
+            </a:lnRef>
+            <a:fillRef idx="0">
+              <a:schemeClr val="accent1"/>
+            </a:fillRef>
+            <a:effectRef idx="0">
+              <a:schemeClr val="accent1"/>
+            </a:effectRef>
+            <a:fontRef idx="minor">
+              <a:schemeClr val="tx1"/>
+            </a:fontRef>
+          </p:style>
+        </p:cxnSp>
+        <p:cxnSp>
+          <p:nvCxnSpPr>
+            <p:cNvPr id="16" name="Straight Connector 15">
+              <a:extLst>
+                <a:ext uri="{FF2B5EF4-FFF2-40B4-BE49-F238E27FC236}">
+                  <a16:creationId xmlns:a16="http://schemas.microsoft.com/office/drawing/2014/main" id="{04C96A98-5EF6-4542-9FA4-86B1D2651A94}"/>
+                </a:ext>
+                <a:ext uri="{C183D7F6-B498-43B3-948B-1728B52AA6E4}">
+                  <adec:decorative xmlns:adec="http://schemas.microsoft.com/office/drawing/2017/decorative" val="1"/>
+                </a:ext>
+              </a:extLst>
+            </p:cNvPr>
+            <p:cNvCxnSpPr>
+              <a:cxnSpLocks/>
+            </p:cNvCxnSpPr>
+            <p:nvPr>
+              <p:extLst>
+                <p:ext uri="{386F3935-93C4-4BCD-93E2-E3B085C9AB24}">
+                  <p16:designElem xmlns:p16="http://schemas.microsoft.com/office/powerpoint/2015/main" val="1"/>
+                </p:ext>
+              </p:extLst>
+            </p:nvPr>
+          </p:nvCxnSpPr>
+          <p:spPr>
+            <a:xfrm rot="16200000">
+              <a:off x="-2794261" y="3428956"/>
+              <a:ext cx="6857912" cy="0"/>
+            </a:xfrm>
+            <a:prstGeom prst="line">
+              <a:avLst/>
+            </a:prstGeom>
+            <a:ln w="12700">
+              <a:solidFill>
+                <a:schemeClr val="accent4"/>
+              </a:solidFill>
+            </a:ln>
+          </p:spPr>
+          <p:style>
+            <a:lnRef idx="1">
+              <a:schemeClr val="accent1"/>
+            </a:lnRef>
+            <a:fillRef idx="0">
+              <a:schemeClr val="accent1"/>
+            </a:fillRef>
+            <a:effectRef idx="0">
+              <a:schemeClr val="accent1"/>
+            </a:effectRef>
+            <a:fontRef idx="minor">
+              <a:schemeClr val="tx1"/>
+            </a:fontRef>
+          </p:style>
+        </p:cxnSp>
+        <p:sp>
+          <p:nvSpPr>
+            <p:cNvPr id="17" name="Graphic 33">
+              <a:extLst>
+                <a:ext uri="{FF2B5EF4-FFF2-40B4-BE49-F238E27FC236}">
+                  <a16:creationId xmlns:a16="http://schemas.microsoft.com/office/drawing/2014/main" id="{3BF088B1-D6D6-4925-9B48-5098FF09D036}"/>
+                </a:ext>
+                <a:ext uri="{C183D7F6-B498-43B3-948B-1728B52AA6E4}">
+                  <adec:decorative xmlns:adec="http://schemas.microsoft.com/office/drawing/2017/decorative" val="1"/>
+                </a:ext>
+              </a:extLst>
+            </p:cNvPr>
+            <p:cNvSpPr/>
+            <p:nvPr>
+              <p:extLst>
+                <p:ext uri="{386F3935-93C4-4BCD-93E2-E3B085C9AB24}">
+                  <p16:designElem xmlns:p16="http://schemas.microsoft.com/office/powerpoint/2015/main" val="1"/>
+                </p:ext>
+              </p:extLst>
+            </p:nvPr>
+          </p:nvSpPr>
+          <p:spPr>
+            <a:xfrm>
+              <a:off x="4277016" y="-1"/>
+              <a:ext cx="3637968" cy="580875"/>
+            </a:xfrm>
+            <a:custGeom>
+              <a:avLst/>
+              <a:gdLst>
+                <a:gd name="connsiteX0" fmla="*/ 0 w 2679858"/>
+                <a:gd name="connsiteY0" fmla="*/ 4953 h 434911"/>
+                <a:gd name="connsiteX1" fmla="*/ 1336548 w 2679858"/>
+                <a:gd name="connsiteY1" fmla="*/ 434912 h 434911"/>
+                <a:gd name="connsiteX2" fmla="*/ 2679859 w 2679858"/>
+                <a:gd name="connsiteY2" fmla="*/ 0 h 434911"/>
+              </a:gdLst>
+              <a:ahLst/>
+              <a:cxnLst>
+                <a:cxn ang="0">
+                  <a:pos x="connsiteX0" y="connsiteY0"/>
+                </a:cxn>
+                <a:cxn ang="0">
+                  <a:pos x="connsiteX1" y="connsiteY1"/>
+                </a:cxn>
+                <a:cxn ang="0">
+                  <a:pos x="connsiteX2" y="connsiteY2"/>
+                </a:cxn>
+              </a:cxnLst>
+              <a:rect l="l" t="t" r="r" b="b"/>
+              <a:pathLst>
+                <a:path w="2679858" h="434911">
+                  <a:moveTo>
+                    <a:pt x="0" y="4953"/>
+                  </a:moveTo>
+                  <a:cubicBezTo>
+                    <a:pt x="370427" y="274606"/>
+                    <a:pt x="833723" y="434912"/>
+                    <a:pt x="1336548" y="434912"/>
+                  </a:cubicBezTo>
+                  <a:cubicBezTo>
+                    <a:pt x="1842326" y="434912"/>
+                    <a:pt x="2308289" y="272701"/>
+                    <a:pt x="2679859" y="0"/>
+                  </a:cubicBezTo>
+                </a:path>
+              </a:pathLst>
+            </a:custGeom>
+            <a:noFill/>
+            <a:ln w="12700" cap="flat">
+              <a:solidFill>
+                <a:schemeClr val="accent4"/>
+              </a:solidFill>
+              <a:prstDash val="solid"/>
+              <a:miter/>
+            </a:ln>
+          </p:spPr>
+          <p:txBody>
+            <a:bodyPr rtlCol="0" anchor="ctr"/>
+            <a:lstStyle/>
+            <a:p>
+              <a:endParaRPr lang="en-US" dirty="0"/>
+            </a:p>
+          </p:txBody>
+        </p:sp>
+        <p:sp>
+          <p:nvSpPr>
+            <p:cNvPr id="18" name="Graphic 33">
+              <a:extLst>
+                <a:ext uri="{FF2B5EF4-FFF2-40B4-BE49-F238E27FC236}">
+                  <a16:creationId xmlns:a16="http://schemas.microsoft.com/office/drawing/2014/main" id="{6FA7DFD7-863A-4016-A231-DCB28B20D095}"/>
+                </a:ext>
+                <a:ext uri="{C183D7F6-B498-43B3-948B-1728B52AA6E4}">
+                  <adec:decorative xmlns:adec="http://schemas.microsoft.com/office/drawing/2017/decorative" val="1"/>
+                </a:ext>
+              </a:extLst>
+            </p:cNvPr>
+            <p:cNvSpPr/>
+            <p:nvPr>
+              <p:extLst>
+                <p:ext uri="{386F3935-93C4-4BCD-93E2-E3B085C9AB24}">
+                  <p16:designElem xmlns:p16="http://schemas.microsoft.com/office/powerpoint/2015/main" val="1"/>
+                </p:ext>
+              </p:extLst>
+            </p:nvPr>
+          </p:nvSpPr>
+          <p:spPr>
+            <a:xfrm rot="10800000">
+              <a:off x="4305089" y="6276705"/>
+              <a:ext cx="3581824" cy="581290"/>
+            </a:xfrm>
+            <a:custGeom>
+              <a:avLst/>
+              <a:gdLst>
+                <a:gd name="connsiteX0" fmla="*/ 0 w 2679858"/>
+                <a:gd name="connsiteY0" fmla="*/ 4953 h 434911"/>
+                <a:gd name="connsiteX1" fmla="*/ 1336548 w 2679858"/>
+                <a:gd name="connsiteY1" fmla="*/ 434912 h 434911"/>
+                <a:gd name="connsiteX2" fmla="*/ 2679859 w 2679858"/>
+                <a:gd name="connsiteY2" fmla="*/ 0 h 434911"/>
+              </a:gdLst>
+              <a:ahLst/>
+              <a:cxnLst>
+                <a:cxn ang="0">
+                  <a:pos x="connsiteX0" y="connsiteY0"/>
+                </a:cxn>
+                <a:cxn ang="0">
+                  <a:pos x="connsiteX1" y="connsiteY1"/>
+                </a:cxn>
+                <a:cxn ang="0">
+                  <a:pos x="connsiteX2" y="connsiteY2"/>
+                </a:cxn>
+              </a:cxnLst>
+              <a:rect l="l" t="t" r="r" b="b"/>
+              <a:pathLst>
+                <a:path w="2679858" h="434911">
+                  <a:moveTo>
+                    <a:pt x="0" y="4953"/>
+                  </a:moveTo>
+                  <a:cubicBezTo>
+                    <a:pt x="370427" y="274606"/>
+                    <a:pt x="833723" y="434912"/>
+                    <a:pt x="1336548" y="434912"/>
+                  </a:cubicBezTo>
+                  <a:cubicBezTo>
+                    <a:pt x="1842326" y="434912"/>
+                    <a:pt x="2308289" y="272701"/>
+                    <a:pt x="2679859" y="0"/>
+                  </a:cubicBezTo>
+                </a:path>
+              </a:pathLst>
+            </a:custGeom>
+            <a:noFill/>
+            <a:ln w="12700" cap="flat">
+              <a:solidFill>
+                <a:schemeClr val="accent4"/>
+              </a:solidFill>
+              <a:prstDash val="solid"/>
+              <a:miter/>
+            </a:ln>
+          </p:spPr>
+          <p:txBody>
+            <a:bodyPr rtlCol="0" anchor="ctr"/>
+            <a:lstStyle/>
+            <a:p>
+              <a:endParaRPr lang="en-US" dirty="0"/>
+            </a:p>
+          </p:txBody>
+        </p:sp>
+      </p:grpSp>
+      <p:sp>
+        <p:nvSpPr>
+          <p:cNvPr id="2" name="Title 1">
+            <a:extLst>
+              <a:ext uri="{FF2B5EF4-FFF2-40B4-BE49-F238E27FC236}">
+                <a16:creationId xmlns:a16="http://schemas.microsoft.com/office/drawing/2014/main" id="{82EF4A52-AAE0-C748-3431-5EF498CBA27C}"/>
+              </a:ext>
+            </a:extLst>
+          </p:cNvPr>
+          <p:cNvSpPr>
+            <a:spLocks noGrp="1"/>
+          </p:cNvSpPr>
+          <p:nvPr>
+            <p:ph type="title"/>
+          </p:nvPr>
+        </p:nvSpPr>
+        <p:spPr>
+          <a:xfrm>
+            <a:off x="838200" y="827727"/>
+            <a:ext cx="8648158" cy="1495887"/>
+          </a:xfrm>
+        </p:spPr>
+        <p:txBody>
+          <a:bodyPr>
+            <a:normAutofit/>
+          </a:bodyPr>
+          <a:lstStyle/>
+          <a:p>
+            <a:endParaRPr lang="en-US"/>
+          </a:p>
+        </p:txBody>
+      </p:sp>
+      <p:sp>
+        <p:nvSpPr>
+          <p:cNvPr id="3" name="Content Placeholder 2">
+            <a:extLst>
+              <a:ext uri="{FF2B5EF4-FFF2-40B4-BE49-F238E27FC236}">
+                <a16:creationId xmlns:a16="http://schemas.microsoft.com/office/drawing/2014/main" id="{DA01AE45-5F70-431E-08DB-608D4F96C06B}"/>
+              </a:ext>
+            </a:extLst>
+          </p:cNvPr>
+          <p:cNvSpPr>
+            <a:spLocks noGrp="1"/>
+          </p:cNvSpPr>
+          <p:nvPr>
+            <p:ph idx="1"/>
+          </p:nvPr>
+        </p:nvSpPr>
+        <p:spPr>
+          <a:xfrm>
+            <a:off x="838200" y="2434196"/>
+            <a:ext cx="8648158" cy="3430575"/>
+          </a:xfrm>
+        </p:spPr>
+        <p:txBody>
+          <a:bodyPr>
+            <a:normAutofit/>
+          </a:bodyPr>
+          <a:lstStyle/>
+          <a:p>
+            <a:endParaRPr lang="en-US"/>
+          </a:p>
+        </p:txBody>
+      </p:sp>
+    </p:spTree>
+    <p:extLst>
+      <p:ext uri="{BB962C8B-B14F-4D97-AF65-F5344CB8AC3E}">
+        <p14:creationId xmlns:p14="http://schemas.microsoft.com/office/powerpoint/2010/main" val="1133826956"/>
+      </p:ext>
+    </p:extLst>
+  </p:cSld>
+  <p:clrMapOvr>
+    <a:overrideClrMapping bg1="dk1" tx1="lt1" bg2="dk2" tx2="lt2" accent1="accent1" accent2="accent2" accent3="accent3" accent4="accent4" accent5="accent5" accent6="accent6" hlink="hlink" folHlink="folHlink"/>
   </p:clrMapOvr>
 </p:sld>
 </file>

--- a/Spotify Project.pptx
+++ b/Spotify Project.pptx
@@ -8,6 +8,10 @@
     <p:sldId id="256" r:id="rId2"/>
     <p:sldId id="257" r:id="rId3"/>
     <p:sldId id="258" r:id="rId4"/>
+    <p:sldId id="264" r:id="rId5"/>
+    <p:sldId id="263" r:id="rId6"/>
+    <p:sldId id="265" r:id="rId7"/>
+    <p:sldId id="262" r:id="rId8"/>
   </p:sldIdLst>
   <p:sldSz cx="12192000" cy="6858000"/>
   <p:notesSz cx="6858000" cy="9144000"/>
@@ -106,6 +110,11 @@
       </a:defRPr>
     </a:lvl9pPr>
   </p:defaultTextStyle>
+  <p:extLst>
+    <p:ext uri="{EFAFB233-063F-42B5-8137-9DF3F51BA10A}">
+      <p15:sldGuideLst xmlns:p15="http://schemas.microsoft.com/office/powerpoint/2012/main"/>
+    </p:ext>
+  </p:extLst>
 </p:presentation>
 </file>
 
@@ -271,7 +280,7 @@
           <a:p>
             <a:fld id="{9549D6DC-E1CB-4874-BF52-C3407230D20E}" type="datetime1">
               <a:rPr lang="en-US" smtClean="0"/>
-              <a:t>1/18/24</a:t>
+              <a:t>1/21/24</a:t>
             </a:fld>
             <a:endParaRPr lang="en-US"/>
           </a:p>
@@ -480,7 +489,7 @@
           <a:p>
             <a:fld id="{F7701D81-C4B9-4A87-89A7-22E29E6C9200}" type="datetime1">
               <a:rPr lang="en-US" smtClean="0"/>
-              <a:t>1/18/24</a:t>
+              <a:t>1/21/24</a:t>
             </a:fld>
             <a:endParaRPr lang="en-US"/>
           </a:p>
@@ -690,7 +699,7 @@
           <a:p>
             <a:fld id="{EE307718-69F7-427E-95A3-C1246AF46913}" type="datetime1">
               <a:rPr lang="en-US" smtClean="0"/>
-              <a:t>1/18/24</a:t>
+              <a:t>1/21/24</a:t>
             </a:fld>
             <a:endParaRPr lang="en-US"/>
           </a:p>
@@ -890,7 +899,7 @@
           <a:p>
             <a:fld id="{48913E51-B7F7-4C24-B8E3-5471755DC0E0}" type="datetime1">
               <a:rPr lang="en-US" smtClean="0"/>
-              <a:t>1/18/24</a:t>
+              <a:t>1/21/24</a:t>
             </a:fld>
             <a:endParaRPr lang="en-US"/>
           </a:p>
@@ -1171,7 +1180,7 @@
           <a:p>
             <a:fld id="{DA91A59F-D956-4598-A3C1-AE72A5387751}" type="datetime1">
               <a:rPr lang="en-US" smtClean="0"/>
-              <a:t>1/18/24</a:t>
+              <a:t>1/21/24</a:t>
             </a:fld>
             <a:endParaRPr lang="en-US" dirty="0"/>
           </a:p>
@@ -1439,7 +1448,7 @@
           <a:p>
             <a:fld id="{D70BBD69-7BD3-4731-8064-242619E92CBE}" type="datetime1">
               <a:rPr lang="en-US" smtClean="0"/>
-              <a:t>1/18/24</a:t>
+              <a:t>1/21/24</a:t>
             </a:fld>
             <a:endParaRPr lang="en-US"/>
           </a:p>
@@ -1894,7 +1903,7 @@
           <a:p>
             <a:fld id="{38BD77D9-239F-488B-9358-023C46BC7084}" type="datetime1">
               <a:rPr lang="en-US" smtClean="0"/>
-              <a:t>1/18/24</a:t>
+              <a:t>1/21/24</a:t>
             </a:fld>
             <a:endParaRPr lang="en-US"/>
           </a:p>
@@ -2041,7 +2050,7 @@
           <a:p>
             <a:fld id="{1EE61C24-7140-4FDE-92F3-654C6E2D3C1C}" type="datetime1">
               <a:rPr lang="en-US" smtClean="0"/>
-              <a:t>1/18/24</a:t>
+              <a:t>1/21/24</a:t>
             </a:fld>
             <a:endParaRPr lang="en-US"/>
           </a:p>
@@ -2154,7 +2163,7 @@
           <a:p>
             <a:fld id="{DC4D6ACF-ECB9-4B5F-A429-08B8AC75E8EF}" type="datetime1">
               <a:rPr lang="en-US" smtClean="0"/>
-              <a:t>1/18/24</a:t>
+              <a:t>1/21/24</a:t>
             </a:fld>
             <a:endParaRPr lang="en-US"/>
           </a:p>
@@ -2473,7 +2482,7 @@
           <a:p>
             <a:fld id="{788B429B-EE2A-486A-BDB9-0C848B4FAFDD}" type="datetime1">
               <a:rPr lang="en-US" smtClean="0"/>
-              <a:t>1/18/24</a:t>
+              <a:t>1/21/24</a:t>
             </a:fld>
             <a:endParaRPr lang="en-US"/>
           </a:p>
@@ -2770,7 +2779,7 @@
           <a:p>
             <a:fld id="{8DA5FE4A-CB8D-40AB-BFFC-AAF37EA071CB}" type="datetime1">
               <a:rPr lang="en-US" smtClean="0"/>
-              <a:t>1/18/24</a:t>
+              <a:t>1/21/24</a:t>
             </a:fld>
             <a:endParaRPr lang="en-US"/>
           </a:p>
@@ -2847,9 +2856,14 @@
 <p:sldMaster xmlns:a="http://schemas.openxmlformats.org/drawingml/2006/main" xmlns:r="http://schemas.openxmlformats.org/officeDocument/2006/relationships" xmlns:p="http://schemas.openxmlformats.org/presentationml/2006/main">
   <p:cSld>
     <p:bg>
-      <p:bgRef idx="1001">
-        <a:schemeClr val="bg1"/>
-      </p:bgRef>
+      <p:bgPr>
+        <a:solidFill>
+          <a:schemeClr val="accent2">
+            <a:alpha val="0"/>
+          </a:schemeClr>
+        </a:solidFill>
+        <a:effectLst/>
+      </p:bgPr>
     </p:bg>
     <p:spTree>
       <p:nvGrpSpPr>
@@ -3418,7 +3432,7 @@
           <a:p>
             <a:fld id="{C0517C94-3B1E-4991-BED3-41F8B0158A00}" type="datetime1">
               <a:rPr lang="en-US" smtClean="0"/>
-              <a:t>1/18/24</a:t>
+              <a:t>1/21/24</a:t>
             </a:fld>
             <a:endParaRPr lang="en-US" dirty="0"/>
           </a:p>
@@ -3843,14 +3857,6 @@
 <file path=ppt/slides/slide1.xml><?xml version="1.0" encoding="utf-8"?>
 <p:sld xmlns:a="http://schemas.openxmlformats.org/drawingml/2006/main" xmlns:r="http://schemas.openxmlformats.org/officeDocument/2006/relationships" xmlns:p="http://schemas.openxmlformats.org/presentationml/2006/main">
   <p:cSld>
-    <p:bg>
-      <p:bgPr>
-        <a:solidFill>
-          <a:schemeClr val="bg1"/>
-        </a:solidFill>
-        <a:effectLst/>
-      </p:bgPr>
-    </p:bg>
     <p:spTree>
       <p:nvGrpSpPr>
         <p:cNvPr id="1" name=""/>
@@ -3865,129 +3871,6 @@
           <a:chExt cx="0" cy="0"/>
         </a:xfrm>
       </p:grpSpPr>
-      <p:sp useBgFill="1">
-        <p:nvSpPr>
-          <p:cNvPr id="9" name="Rectangle 8">
-            <a:extLst>
-              <a:ext uri="{FF2B5EF4-FFF2-40B4-BE49-F238E27FC236}">
-                <a16:creationId xmlns:a16="http://schemas.microsoft.com/office/drawing/2014/main" id="{A38827F1-3359-44F6-9009-43AE2B17FEAD}"/>
-              </a:ext>
-              <a:ext uri="{C183D7F6-B498-43B3-948B-1728B52AA6E4}">
-                <adec:decorative xmlns:adec="http://schemas.microsoft.com/office/drawing/2017/decorative" val="1"/>
-              </a:ext>
-            </a:extLst>
-          </p:cNvPr>
-          <p:cNvSpPr>
-            <a:spLocks noGrp="1" noRot="1" noChangeAspect="1" noMove="1" noResize="1" noEditPoints="1" noAdjustHandles="1" noChangeArrowheads="1" noChangeShapeType="1" noTextEdit="1"/>
-          </p:cNvSpPr>
-          <p:nvPr>
-            <p:extLst>
-              <p:ext uri="{386F3935-93C4-4BCD-93E2-E3B085C9AB24}">
-                <p16:designElem xmlns:p16="http://schemas.microsoft.com/office/powerpoint/2015/main" val="1"/>
-              </p:ext>
-            </p:extLst>
-          </p:nvPr>
-        </p:nvSpPr>
-        <p:spPr>
-          <a:xfrm>
-            <a:off x="-1" y="3"/>
-            <a:ext cx="12192001" cy="6857997"/>
-          </a:xfrm>
-          <a:prstGeom prst="rect">
-            <a:avLst/>
-          </a:prstGeom>
-          <a:ln>
-            <a:noFill/>
-          </a:ln>
-        </p:spPr>
-        <p:style>
-          <a:lnRef idx="2">
-            <a:schemeClr val="accent1">
-              <a:shade val="50000"/>
-            </a:schemeClr>
-          </a:lnRef>
-          <a:fillRef idx="1">
-            <a:schemeClr val="accent1"/>
-          </a:fillRef>
-          <a:effectRef idx="0">
-            <a:schemeClr val="accent1"/>
-          </a:effectRef>
-          <a:fontRef idx="minor">
-            <a:schemeClr val="lt1"/>
-          </a:fontRef>
-        </p:style>
-        <p:txBody>
-          <a:bodyPr rtlCol="0" anchor="ctr"/>
-          <a:lstStyle/>
-          <a:p>
-            <a:pPr algn="ctr"/>
-            <a:endParaRPr lang="en-US"/>
-          </a:p>
-        </p:txBody>
-      </p:sp>
-      <p:sp>
-        <p:nvSpPr>
-          <p:cNvPr id="11" name="Rectangle 10">
-            <a:extLst>
-              <a:ext uri="{FF2B5EF4-FFF2-40B4-BE49-F238E27FC236}">
-                <a16:creationId xmlns:a16="http://schemas.microsoft.com/office/drawing/2014/main" id="{17AFAD67-5350-4773-886F-D6DD7E66DB04}"/>
-              </a:ext>
-              <a:ext uri="{C183D7F6-B498-43B3-948B-1728B52AA6E4}">
-                <adec:decorative xmlns:adec="http://schemas.microsoft.com/office/drawing/2017/decorative" val="1"/>
-              </a:ext>
-            </a:extLst>
-          </p:cNvPr>
-          <p:cNvSpPr>
-            <a:spLocks noGrp="1" noRot="1" noChangeAspect="1" noMove="1" noResize="1" noEditPoints="1" noAdjustHandles="1" noChangeArrowheads="1" noChangeShapeType="1" noTextEdit="1"/>
-          </p:cNvSpPr>
-          <p:nvPr>
-            <p:extLst>
-              <p:ext uri="{386F3935-93C4-4BCD-93E2-E3B085C9AB24}">
-                <p16:designElem xmlns:p16="http://schemas.microsoft.com/office/powerpoint/2015/main" val="1"/>
-              </p:ext>
-            </p:extLst>
-          </p:nvPr>
-        </p:nvSpPr>
-        <p:spPr>
-          <a:xfrm>
-            <a:off x="0" y="0"/>
-            <a:ext cx="12192000" cy="6873465"/>
-          </a:xfrm>
-          <a:prstGeom prst="rect">
-            <a:avLst/>
-          </a:prstGeom>
-          <a:solidFill>
-            <a:srgbClr val="000000"/>
-          </a:solidFill>
-          <a:ln>
-            <a:noFill/>
-          </a:ln>
-        </p:spPr>
-        <p:style>
-          <a:lnRef idx="2">
-            <a:schemeClr val="accent1">
-              <a:shade val="50000"/>
-            </a:schemeClr>
-          </a:lnRef>
-          <a:fillRef idx="1">
-            <a:schemeClr val="accent1"/>
-          </a:fillRef>
-          <a:effectRef idx="0">
-            <a:schemeClr val="accent1"/>
-          </a:effectRef>
-          <a:fontRef idx="minor">
-            <a:schemeClr val="lt1"/>
-          </a:fontRef>
-        </p:style>
-        <p:txBody>
-          <a:bodyPr rtlCol="0" anchor="ctr"/>
-          <a:lstStyle/>
-          <a:p>
-            <a:pPr algn="ctr"/>
-            <a:endParaRPr lang="en-US"/>
-          </a:p>
-        </p:txBody>
-      </p:sp>
       <p:pic>
         <p:nvPicPr>
           <p:cNvPr id="43" name="Picture 42">
@@ -4022,474 +3905,6 @@
           </a:ln>
         </p:spPr>
       </p:pic>
-      <p:grpSp>
-        <p:nvGrpSpPr>
-          <p:cNvPr id="13" name="Group 12">
-            <a:extLst>
-              <a:ext uri="{FF2B5EF4-FFF2-40B4-BE49-F238E27FC236}">
-                <a16:creationId xmlns:a16="http://schemas.microsoft.com/office/drawing/2014/main" id="{654AC0FE-C43D-49AC-9730-284354DEC86E}"/>
-              </a:ext>
-              <a:ext uri="{C183D7F6-B498-43B3-948B-1728B52AA6E4}">
-                <adec:decorative xmlns:adec="http://schemas.microsoft.com/office/drawing/2017/decorative" val="1"/>
-              </a:ext>
-            </a:extLst>
-          </p:cNvPr>
-          <p:cNvGrpSpPr>
-            <a:grpSpLocks noGrp="1" noUngrp="1" noRot="1" noChangeAspect="1" noMove="1" noResize="1"/>
-          </p:cNvGrpSpPr>
-          <p:nvPr>
-            <p:extLst>
-              <p:ext uri="{386F3935-93C4-4BCD-93E2-E3B085C9AB24}">
-                <p16:designElem xmlns:p16="http://schemas.microsoft.com/office/powerpoint/2015/main" val="1"/>
-              </p:ext>
-            </p:extLst>
-          </p:nvPr>
-        </p:nvGrpSpPr>
-        <p:grpSpPr>
-          <a:xfrm>
-            <a:off x="628366" y="87"/>
-            <a:ext cx="10933011" cy="6864297"/>
-            <a:chOff x="628366" y="87"/>
-            <a:chExt cx="10933011" cy="6864297"/>
-          </a:xfrm>
-        </p:grpSpPr>
-        <p:cxnSp>
-          <p:nvCxnSpPr>
-            <p:cNvPr id="14" name="Straight Connector 13">
-              <a:extLst>
-                <a:ext uri="{FF2B5EF4-FFF2-40B4-BE49-F238E27FC236}">
-                  <a16:creationId xmlns:a16="http://schemas.microsoft.com/office/drawing/2014/main" id="{246F6FE9-8F24-4E96-8FA6-DABE61A20CF5}"/>
-                </a:ext>
-                <a:ext uri="{C183D7F6-B498-43B3-948B-1728B52AA6E4}">
-                  <adec:decorative xmlns:adec="http://schemas.microsoft.com/office/drawing/2017/decorative" val="1"/>
-                </a:ext>
-              </a:extLst>
-            </p:cNvPr>
-            <p:cNvCxnSpPr>
-              <a:cxnSpLocks/>
-            </p:cNvCxnSpPr>
-            <p:nvPr>
-              <p:extLst>
-                <p:ext uri="{386F3935-93C4-4BCD-93E2-E3B085C9AB24}">
-                  <p16:designElem xmlns:p16="http://schemas.microsoft.com/office/powerpoint/2015/main" val="1"/>
-                </p:ext>
-              </p:extLst>
-            </p:nvPr>
-          </p:nvCxnSpPr>
-          <p:spPr>
-            <a:xfrm rot="16200000">
-              <a:off x="-1282750" y="3429044"/>
-              <a:ext cx="6857912" cy="0"/>
-            </a:xfrm>
-            <a:prstGeom prst="line">
-              <a:avLst/>
-            </a:prstGeom>
-            <a:ln w="12700">
-              <a:solidFill>
-                <a:schemeClr val="accent4"/>
-              </a:solidFill>
-            </a:ln>
-          </p:spPr>
-          <p:style>
-            <a:lnRef idx="1">
-              <a:schemeClr val="accent1"/>
-            </a:lnRef>
-            <a:fillRef idx="0">
-              <a:schemeClr val="accent1"/>
-            </a:fillRef>
-            <a:effectRef idx="0">
-              <a:schemeClr val="accent1"/>
-            </a:effectRef>
-            <a:fontRef idx="minor">
-              <a:schemeClr val="tx1"/>
-            </a:fontRef>
-          </p:style>
-        </p:cxnSp>
-        <p:cxnSp>
-          <p:nvCxnSpPr>
-            <p:cNvPr id="15" name="Straight Connector 14">
-              <a:extLst>
-                <a:ext uri="{FF2B5EF4-FFF2-40B4-BE49-F238E27FC236}">
-                  <a16:creationId xmlns:a16="http://schemas.microsoft.com/office/drawing/2014/main" id="{40C5E755-8FD9-4EBF-978B-015F9339F30F}"/>
-                </a:ext>
-                <a:ext uri="{C183D7F6-B498-43B3-948B-1728B52AA6E4}">
-                  <adec:decorative xmlns:adec="http://schemas.microsoft.com/office/drawing/2017/decorative" val="1"/>
-                </a:ext>
-              </a:extLst>
-            </p:cNvPr>
-            <p:cNvCxnSpPr>
-              <a:cxnSpLocks/>
-            </p:cNvCxnSpPr>
-            <p:nvPr>
-              <p:extLst>
-                <p:ext uri="{386F3935-93C4-4BCD-93E2-E3B085C9AB24}">
-                  <p16:designElem xmlns:p16="http://schemas.microsoft.com/office/powerpoint/2015/main" val="1"/>
-                </p:ext>
-              </p:extLst>
-            </p:nvPr>
-          </p:nvCxnSpPr>
-          <p:spPr>
-            <a:xfrm rot="16200000">
-              <a:off x="6688336" y="3429043"/>
-              <a:ext cx="6857912" cy="0"/>
-            </a:xfrm>
-            <a:prstGeom prst="line">
-              <a:avLst/>
-            </a:prstGeom>
-            <a:ln w="12700">
-              <a:solidFill>
-                <a:schemeClr val="accent4"/>
-              </a:solidFill>
-            </a:ln>
-          </p:spPr>
-          <p:style>
-            <a:lnRef idx="1">
-              <a:schemeClr val="accent1"/>
-            </a:lnRef>
-            <a:fillRef idx="0">
-              <a:schemeClr val="accent1"/>
-            </a:fillRef>
-            <a:effectRef idx="0">
-              <a:schemeClr val="accent1"/>
-            </a:effectRef>
-            <a:fontRef idx="minor">
-              <a:schemeClr val="tx1"/>
-            </a:fontRef>
-          </p:style>
-        </p:cxnSp>
-        <p:cxnSp>
-          <p:nvCxnSpPr>
-            <p:cNvPr id="16" name="Straight Connector 15">
-              <a:extLst>
-                <a:ext uri="{FF2B5EF4-FFF2-40B4-BE49-F238E27FC236}">
-                  <a16:creationId xmlns:a16="http://schemas.microsoft.com/office/drawing/2014/main" id="{9C7F63B7-3E85-42EC-8447-F6699247ECB5}"/>
-                </a:ext>
-                <a:ext uri="{C183D7F6-B498-43B3-948B-1728B52AA6E4}">
-                  <adec:decorative xmlns:adec="http://schemas.microsoft.com/office/drawing/2017/decorative" val="1"/>
-                </a:ext>
-              </a:extLst>
-            </p:cNvPr>
-            <p:cNvCxnSpPr>
-              <a:cxnSpLocks/>
-            </p:cNvCxnSpPr>
-            <p:nvPr>
-              <p:extLst>
-                <p:ext uri="{386F3935-93C4-4BCD-93E2-E3B085C9AB24}">
-                  <p16:designElem xmlns:p16="http://schemas.microsoft.com/office/powerpoint/2015/main" val="1"/>
-                </p:ext>
-              </p:extLst>
-            </p:nvPr>
-          </p:nvCxnSpPr>
-          <p:spPr>
-            <a:xfrm>
-              <a:off x="628366" y="3413532"/>
-              <a:ext cx="2585819" cy="0"/>
-            </a:xfrm>
-            <a:prstGeom prst="line">
-              <a:avLst/>
-            </a:prstGeom>
-            <a:ln w="12700">
-              <a:solidFill>
-                <a:schemeClr val="accent4"/>
-              </a:solidFill>
-            </a:ln>
-          </p:spPr>
-          <p:style>
-            <a:lnRef idx="1">
-              <a:schemeClr val="accent1"/>
-            </a:lnRef>
-            <a:fillRef idx="0">
-              <a:schemeClr val="accent1"/>
-            </a:fillRef>
-            <a:effectRef idx="0">
-              <a:schemeClr val="accent1"/>
-            </a:effectRef>
-            <a:fontRef idx="minor">
-              <a:schemeClr val="tx1"/>
-            </a:fontRef>
-          </p:style>
-        </p:cxnSp>
-        <p:sp>
-          <p:nvSpPr>
-            <p:cNvPr id="17" name="Graphic 11">
-              <a:extLst>
-                <a:ext uri="{FF2B5EF4-FFF2-40B4-BE49-F238E27FC236}">
-                  <a16:creationId xmlns:a16="http://schemas.microsoft.com/office/drawing/2014/main" id="{AFDFA9EA-AAC0-416F-A0E9-ACD410E9DA59}"/>
-                </a:ext>
-                <a:ext uri="{C183D7F6-B498-43B3-948B-1728B52AA6E4}">
-                  <adec:decorative xmlns:adec="http://schemas.microsoft.com/office/drawing/2017/decorative" val="1"/>
-                </a:ext>
-              </a:extLst>
-            </p:cNvPr>
-            <p:cNvSpPr/>
-            <p:nvPr>
-              <p:extLst>
-                <p:ext uri="{386F3935-93C4-4BCD-93E2-E3B085C9AB24}">
-                  <p16:designElem xmlns:p16="http://schemas.microsoft.com/office/powerpoint/2015/main" val="1"/>
-                </p:ext>
-              </p:extLst>
-            </p:nvPr>
-          </p:nvSpPr>
-          <p:spPr>
-            <a:xfrm>
-              <a:off x="3222063" y="702002"/>
-              <a:ext cx="5759819" cy="6155995"/>
-            </a:xfrm>
-            <a:custGeom>
-              <a:avLst/>
-              <a:gdLst>
-                <a:gd name="connsiteX0" fmla="*/ 0 w 4320540"/>
-                <a:gd name="connsiteY0" fmla="*/ 4617720 h 4617719"/>
-                <a:gd name="connsiteX1" fmla="*/ 0 w 4320540"/>
-                <a:gd name="connsiteY1" fmla="*/ 4268439 h 4617719"/>
-                <a:gd name="connsiteX2" fmla="*/ 0 w 4320540"/>
-                <a:gd name="connsiteY2" fmla="*/ 2052352 h 4617719"/>
-                <a:gd name="connsiteX3" fmla="*/ 2160270 w 4320540"/>
-                <a:gd name="connsiteY3" fmla="*/ 0 h 4617719"/>
-                <a:gd name="connsiteX4" fmla="*/ 2160270 w 4320540"/>
-                <a:gd name="connsiteY4" fmla="*/ 0 h 4617719"/>
-                <a:gd name="connsiteX5" fmla="*/ 4320540 w 4320540"/>
-                <a:gd name="connsiteY5" fmla="*/ 2052352 h 4617719"/>
-                <a:gd name="connsiteX6" fmla="*/ 4320540 w 4320540"/>
-                <a:gd name="connsiteY6" fmla="*/ 2782443 h 4617719"/>
-                <a:gd name="connsiteX7" fmla="*/ 4320540 w 4320540"/>
-                <a:gd name="connsiteY7" fmla="*/ 4617720 h 4617719"/>
-              </a:gdLst>
-              <a:ahLst/>
-              <a:cxnLst>
-                <a:cxn ang="0">
-                  <a:pos x="connsiteX0" y="connsiteY0"/>
-                </a:cxn>
-                <a:cxn ang="0">
-                  <a:pos x="connsiteX1" y="connsiteY1"/>
-                </a:cxn>
-                <a:cxn ang="0">
-                  <a:pos x="connsiteX2" y="connsiteY2"/>
-                </a:cxn>
-                <a:cxn ang="0">
-                  <a:pos x="connsiteX3" y="connsiteY3"/>
-                </a:cxn>
-                <a:cxn ang="0">
-                  <a:pos x="connsiteX4" y="connsiteY4"/>
-                </a:cxn>
-                <a:cxn ang="0">
-                  <a:pos x="connsiteX5" y="connsiteY5"/>
-                </a:cxn>
-                <a:cxn ang="0">
-                  <a:pos x="connsiteX6" y="connsiteY6"/>
-                </a:cxn>
-                <a:cxn ang="0">
-                  <a:pos x="connsiteX7" y="connsiteY7"/>
-                </a:cxn>
-              </a:cxnLst>
-              <a:rect l="l" t="t" r="r" b="b"/>
-              <a:pathLst>
-                <a:path w="4320540" h="4617719">
-                  <a:moveTo>
-                    <a:pt x="0" y="4617720"/>
-                  </a:moveTo>
-                  <a:lnTo>
-                    <a:pt x="0" y="4268439"/>
-                  </a:lnTo>
-                  <a:lnTo>
-                    <a:pt x="0" y="2052352"/>
-                  </a:lnTo>
-                  <a:cubicBezTo>
-                    <a:pt x="0" y="918877"/>
-                    <a:pt x="967169" y="0"/>
-                    <a:pt x="2160270" y="0"/>
-                  </a:cubicBezTo>
-                  <a:lnTo>
-                    <a:pt x="2160270" y="0"/>
-                  </a:lnTo>
-                  <a:cubicBezTo>
-                    <a:pt x="3353372" y="0"/>
-                    <a:pt x="4320540" y="918877"/>
-                    <a:pt x="4320540" y="2052352"/>
-                  </a:cubicBezTo>
-                  <a:lnTo>
-                    <a:pt x="4320540" y="2782443"/>
-                  </a:lnTo>
-                  <a:lnTo>
-                    <a:pt x="4320540" y="4617720"/>
-                  </a:lnTo>
-                </a:path>
-              </a:pathLst>
-            </a:custGeom>
-            <a:noFill/>
-            <a:ln w="12700" cap="flat">
-              <a:solidFill>
-                <a:schemeClr val="accent4"/>
-              </a:solidFill>
-              <a:prstDash val="solid"/>
-              <a:miter/>
-            </a:ln>
-          </p:spPr>
-          <p:txBody>
-            <a:bodyPr rtlCol="0" anchor="ctr"/>
-            <a:lstStyle/>
-            <a:p>
-              <a:endParaRPr lang="en-US"/>
-            </a:p>
-          </p:txBody>
-        </p:sp>
-        <p:cxnSp>
-          <p:nvCxnSpPr>
-            <p:cNvPr id="18" name="Straight Connector 17">
-              <a:extLst>
-                <a:ext uri="{FF2B5EF4-FFF2-40B4-BE49-F238E27FC236}">
-                  <a16:creationId xmlns:a16="http://schemas.microsoft.com/office/drawing/2014/main" id="{C4EF7E7E-9948-4D78-BE70-F624A62D8532}"/>
-                </a:ext>
-                <a:ext uri="{C183D7F6-B498-43B3-948B-1728B52AA6E4}">
-                  <adec:decorative xmlns:adec="http://schemas.microsoft.com/office/drawing/2017/decorative" val="1"/>
-                </a:ext>
-              </a:extLst>
-            </p:cNvPr>
-            <p:cNvCxnSpPr>
-              <a:cxnSpLocks/>
-            </p:cNvCxnSpPr>
-            <p:nvPr>
-              <p:extLst>
-                <p:ext uri="{386F3935-93C4-4BCD-93E2-E3B085C9AB24}">
-                  <p16:designElem xmlns:p16="http://schemas.microsoft.com/office/powerpoint/2015/main" val="1"/>
-                </p:ext>
-              </p:extLst>
-            </p:nvPr>
-          </p:nvCxnSpPr>
-          <p:spPr>
-            <a:xfrm>
-              <a:off x="8974010" y="3413529"/>
-              <a:ext cx="2587367" cy="0"/>
-            </a:xfrm>
-            <a:prstGeom prst="line">
-              <a:avLst/>
-            </a:prstGeom>
-            <a:ln w="12700">
-              <a:solidFill>
-                <a:schemeClr val="accent4"/>
-              </a:solidFill>
-            </a:ln>
-          </p:spPr>
-          <p:style>
-            <a:lnRef idx="1">
-              <a:schemeClr val="accent1"/>
-            </a:lnRef>
-            <a:fillRef idx="0">
-              <a:schemeClr val="accent1"/>
-            </a:fillRef>
-            <a:effectRef idx="0">
-              <a:schemeClr val="accent1"/>
-            </a:effectRef>
-            <a:fontRef idx="minor">
-              <a:schemeClr val="tx1"/>
-            </a:fontRef>
-          </p:style>
-        </p:cxnSp>
-        <p:cxnSp>
-          <p:nvCxnSpPr>
-            <p:cNvPr id="19" name="Straight Connector 18">
-              <a:extLst>
-                <a:ext uri="{FF2B5EF4-FFF2-40B4-BE49-F238E27FC236}">
-                  <a16:creationId xmlns:a16="http://schemas.microsoft.com/office/drawing/2014/main" id="{6975AAAB-9AEC-496F-94E4-CE5330CB49FA}"/>
-                </a:ext>
-                <a:ext uri="{C183D7F6-B498-43B3-948B-1728B52AA6E4}">
-                  <adec:decorative xmlns:adec="http://schemas.microsoft.com/office/drawing/2017/decorative" val="1"/>
-                </a:ext>
-              </a:extLst>
-            </p:cNvPr>
-            <p:cNvCxnSpPr>
-              <a:cxnSpLocks/>
-            </p:cNvCxnSpPr>
-            <p:nvPr>
-              <p:extLst>
-                <p:ext uri="{386F3935-93C4-4BCD-93E2-E3B085C9AB24}">
-                  <p16:designElem xmlns:p16="http://schemas.microsoft.com/office/powerpoint/2015/main" val="1"/>
-                </p:ext>
-              </p:extLst>
-            </p:nvPr>
-          </p:nvCxnSpPr>
-          <p:spPr>
-            <a:xfrm rot="16200000">
-              <a:off x="8132421" y="3431507"/>
-              <a:ext cx="6857912" cy="0"/>
-            </a:xfrm>
-            <a:prstGeom prst="line">
-              <a:avLst/>
-            </a:prstGeom>
-            <a:ln w="12700">
-              <a:solidFill>
-                <a:schemeClr val="accent4"/>
-              </a:solidFill>
-            </a:ln>
-          </p:spPr>
-          <p:style>
-            <a:lnRef idx="1">
-              <a:schemeClr val="accent1"/>
-            </a:lnRef>
-            <a:fillRef idx="0">
-              <a:schemeClr val="accent1"/>
-            </a:fillRef>
-            <a:effectRef idx="0">
-              <a:schemeClr val="accent1"/>
-            </a:effectRef>
-            <a:fontRef idx="minor">
-              <a:schemeClr val="tx1"/>
-            </a:fontRef>
-          </p:style>
-        </p:cxnSp>
-        <p:cxnSp>
-          <p:nvCxnSpPr>
-            <p:cNvPr id="20" name="Straight Connector 19">
-              <a:extLst>
-                <a:ext uri="{FF2B5EF4-FFF2-40B4-BE49-F238E27FC236}">
-                  <a16:creationId xmlns:a16="http://schemas.microsoft.com/office/drawing/2014/main" id="{EB5BF383-42C5-4FE4-894A-17B84AF224FE}"/>
-                </a:ext>
-                <a:ext uri="{C183D7F6-B498-43B3-948B-1728B52AA6E4}">
-                  <adec:decorative xmlns:adec="http://schemas.microsoft.com/office/drawing/2017/decorative" val="1"/>
-                </a:ext>
-              </a:extLst>
-            </p:cNvPr>
-            <p:cNvCxnSpPr>
-              <a:cxnSpLocks/>
-            </p:cNvCxnSpPr>
-            <p:nvPr>
-              <p:extLst>
-                <p:ext uri="{386F3935-93C4-4BCD-93E2-E3B085C9AB24}">
-                  <p16:designElem xmlns:p16="http://schemas.microsoft.com/office/powerpoint/2015/main" val="1"/>
-                </p:ext>
-              </p:extLst>
-            </p:nvPr>
-          </p:nvCxnSpPr>
-          <p:spPr>
-            <a:xfrm rot="16200000">
-              <a:off x="-2796164" y="3435428"/>
-              <a:ext cx="6857912" cy="0"/>
-            </a:xfrm>
-            <a:prstGeom prst="line">
-              <a:avLst/>
-            </a:prstGeom>
-            <a:ln w="12700">
-              <a:solidFill>
-                <a:schemeClr val="accent4"/>
-              </a:solidFill>
-            </a:ln>
-          </p:spPr>
-          <p:style>
-            <a:lnRef idx="1">
-              <a:schemeClr val="accent1"/>
-            </a:lnRef>
-            <a:fillRef idx="0">
-              <a:schemeClr val="accent1"/>
-            </a:fillRef>
-            <a:effectRef idx="0">
-              <a:schemeClr val="accent1"/>
-            </a:effectRef>
-            <a:fontRef idx="minor">
-              <a:schemeClr val="tx1"/>
-            </a:fontRef>
-          </p:style>
-        </p:cxnSp>
-      </p:grpSp>
       <p:sp>
         <p:nvSpPr>
           <p:cNvPr id="2" name="Title 1">
@@ -4597,7 +4012,7 @@
                   <a:srgbClr val="FFFFFF"/>
                 </a:solidFill>
               </a:rPr>
-              <a:t>, Micah Lewis, Simon Murray, Kelsey Traeger,</a:t>
+              <a:t>, Micah Lewis, Simon Murray, Kelsey Traeger</a:t>
             </a:r>
           </a:p>
         </p:txBody>
@@ -4618,14 +4033,6 @@
 <file path=ppt/slides/slide2.xml><?xml version="1.0" encoding="utf-8"?>
 <p:sld xmlns:a="http://schemas.openxmlformats.org/drawingml/2006/main" xmlns:r="http://schemas.openxmlformats.org/officeDocument/2006/relationships" xmlns:p="http://schemas.openxmlformats.org/presentationml/2006/main">
   <p:cSld>
-    <p:bg>
-      <p:bgPr>
-        <a:solidFill>
-          <a:schemeClr val="bg2"/>
-        </a:solidFill>
-        <a:effectLst/>
-      </p:bgPr>
-    </p:bg>
     <p:spTree>
       <p:nvGrpSpPr>
         <p:cNvPr id="1" name=""/>
@@ -4640,540 +4047,6 @@
           <a:chExt cx="0" cy="0"/>
         </a:xfrm>
       </p:grpSpPr>
-      <p:sp useBgFill="1">
-        <p:nvSpPr>
-          <p:cNvPr id="8" name="Rectangle 7">
-            <a:extLst>
-              <a:ext uri="{FF2B5EF4-FFF2-40B4-BE49-F238E27FC236}">
-                <a16:creationId xmlns:a16="http://schemas.microsoft.com/office/drawing/2014/main" id="{CF10C978-51B5-420C-9A05-C8F194EACAC3}"/>
-              </a:ext>
-              <a:ext uri="{C183D7F6-B498-43B3-948B-1728B52AA6E4}">
-                <adec:decorative xmlns:adec="http://schemas.microsoft.com/office/drawing/2017/decorative" val="1"/>
-              </a:ext>
-            </a:extLst>
-          </p:cNvPr>
-          <p:cNvSpPr>
-            <a:spLocks noGrp="1" noRot="1" noChangeAspect="1" noMove="1" noResize="1" noEditPoints="1" noAdjustHandles="1" noChangeArrowheads="1" noChangeShapeType="1" noTextEdit="1"/>
-          </p:cNvSpPr>
-          <p:nvPr>
-            <p:extLst>
-              <p:ext uri="{386F3935-93C4-4BCD-93E2-E3B085C9AB24}">
-                <p16:designElem xmlns:p16="http://schemas.microsoft.com/office/powerpoint/2015/main" val="1"/>
-              </p:ext>
-            </p:extLst>
-          </p:nvPr>
-        </p:nvSpPr>
-        <p:spPr>
-          <a:xfrm>
-            <a:off x="1903" y="-597"/>
-            <a:ext cx="12192000" cy="6857997"/>
-          </a:xfrm>
-          <a:prstGeom prst="rect">
-            <a:avLst/>
-          </a:prstGeom>
-          <a:ln>
-            <a:noFill/>
-          </a:ln>
-        </p:spPr>
-        <p:style>
-          <a:lnRef idx="2">
-            <a:schemeClr val="accent1">
-              <a:shade val="50000"/>
-            </a:schemeClr>
-          </a:lnRef>
-          <a:fillRef idx="1">
-            <a:schemeClr val="accent1"/>
-          </a:fillRef>
-          <a:effectRef idx="0">
-            <a:schemeClr val="accent1"/>
-          </a:effectRef>
-          <a:fontRef idx="minor">
-            <a:schemeClr val="lt1"/>
-          </a:fontRef>
-        </p:style>
-        <p:txBody>
-          <a:bodyPr rtlCol="0" anchor="ctr"/>
-          <a:lstStyle/>
-          <a:p>
-            <a:pPr algn="ctr"/>
-            <a:endParaRPr lang="en-US" dirty="0"/>
-          </a:p>
-        </p:txBody>
-      </p:sp>
-      <p:sp>
-        <p:nvSpPr>
-          <p:cNvPr id="10" name="Rectangle 9">
-            <a:extLst>
-              <a:ext uri="{FF2B5EF4-FFF2-40B4-BE49-F238E27FC236}">
-                <a16:creationId xmlns:a16="http://schemas.microsoft.com/office/drawing/2014/main" id="{28D34D1C-4E49-4D32-96F1-E49CEBBF86E0}"/>
-              </a:ext>
-              <a:ext uri="{C183D7F6-B498-43B3-948B-1728B52AA6E4}">
-                <adec:decorative xmlns:adec="http://schemas.microsoft.com/office/drawing/2017/decorative" val="1"/>
-              </a:ext>
-            </a:extLst>
-          </p:cNvPr>
-          <p:cNvSpPr>
-            <a:spLocks noGrp="1" noRot="1" noChangeAspect="1" noMove="1" noResize="1" noEditPoints="1" noAdjustHandles="1" noChangeArrowheads="1" noChangeShapeType="1" noTextEdit="1"/>
-          </p:cNvSpPr>
-          <p:nvPr>
-            <p:extLst>
-              <p:ext uri="{386F3935-93C4-4BCD-93E2-E3B085C9AB24}">
-                <p16:designElem xmlns:p16="http://schemas.microsoft.com/office/powerpoint/2015/main" val="1"/>
-              </p:ext>
-            </p:extLst>
-          </p:nvPr>
-        </p:nvSpPr>
-        <p:spPr>
-          <a:xfrm>
-            <a:off x="2189" y="0"/>
-            <a:ext cx="12192000" cy="6857997"/>
-          </a:xfrm>
-          <a:prstGeom prst="rect">
-            <a:avLst/>
-          </a:prstGeom>
-          <a:solidFill>
-            <a:schemeClr val="bg2">
-              <a:lumMod val="60000"/>
-              <a:lumOff val="40000"/>
-            </a:schemeClr>
-          </a:solidFill>
-          <a:ln>
-            <a:noFill/>
-          </a:ln>
-        </p:spPr>
-        <p:style>
-          <a:lnRef idx="2">
-            <a:schemeClr val="accent1">
-              <a:shade val="50000"/>
-            </a:schemeClr>
-          </a:lnRef>
-          <a:fillRef idx="1">
-            <a:schemeClr val="accent1"/>
-          </a:fillRef>
-          <a:effectRef idx="0">
-            <a:schemeClr val="accent1"/>
-          </a:effectRef>
-          <a:fontRef idx="minor">
-            <a:schemeClr val="lt1"/>
-          </a:fontRef>
-        </p:style>
-        <p:txBody>
-          <a:bodyPr rtlCol="0" anchor="ctr"/>
-          <a:lstStyle/>
-          <a:p>
-            <a:pPr algn="ctr"/>
-            <a:endParaRPr lang="en-US" dirty="0"/>
-          </a:p>
-        </p:txBody>
-      </p:sp>
-      <p:grpSp>
-        <p:nvGrpSpPr>
-          <p:cNvPr id="12" name="Group 11">
-            <a:extLst>
-              <a:ext uri="{FF2B5EF4-FFF2-40B4-BE49-F238E27FC236}">
-                <a16:creationId xmlns:a16="http://schemas.microsoft.com/office/drawing/2014/main" id="{4E94C6EB-0BD0-4926-909B-CE0EFF459E24}"/>
-              </a:ext>
-              <a:ext uri="{C183D7F6-B498-43B3-948B-1728B52AA6E4}">
-                <adec:decorative xmlns:adec="http://schemas.microsoft.com/office/drawing/2017/decorative" val="1"/>
-              </a:ext>
-            </a:extLst>
-          </p:cNvPr>
-          <p:cNvGrpSpPr>
-            <a:grpSpLocks noGrp="1" noUngrp="1" noRot="1" noChangeAspect="1" noMove="1" noResize="1"/>
-          </p:cNvGrpSpPr>
-          <p:nvPr>
-            <p:extLst>
-              <p:ext uri="{386F3935-93C4-4BCD-93E2-E3B085C9AB24}">
-                <p16:designElem xmlns:p16="http://schemas.microsoft.com/office/powerpoint/2015/main" val="1"/>
-              </p:ext>
-            </p:extLst>
-          </p:nvPr>
-        </p:nvGrpSpPr>
-        <p:grpSpPr>
-          <a:xfrm>
-            <a:off x="1667" y="-1"/>
-            <a:ext cx="12195239" cy="6857996"/>
-            <a:chOff x="1667" y="-1"/>
-            <a:chExt cx="12195239" cy="6857996"/>
-          </a:xfrm>
-        </p:grpSpPr>
-        <p:cxnSp>
-          <p:nvCxnSpPr>
-            <p:cNvPr id="13" name="Straight Connector 12">
-              <a:extLst>
-                <a:ext uri="{FF2B5EF4-FFF2-40B4-BE49-F238E27FC236}">
-                  <a16:creationId xmlns:a16="http://schemas.microsoft.com/office/drawing/2014/main" id="{FD8D9AC5-1A8B-4F43-99E1-1D51CFFCF107}"/>
-                </a:ext>
-                <a:ext uri="{C183D7F6-B498-43B3-948B-1728B52AA6E4}">
-                  <adec:decorative xmlns:adec="http://schemas.microsoft.com/office/drawing/2017/decorative" val="1"/>
-                </a:ext>
-              </a:extLst>
-            </p:cNvPr>
-            <p:cNvCxnSpPr>
-              <a:cxnSpLocks/>
-            </p:cNvCxnSpPr>
-            <p:nvPr>
-              <p:extLst>
-                <p:ext uri="{386F3935-93C4-4BCD-93E2-E3B085C9AB24}">
-                  <p16:designElem xmlns:p16="http://schemas.microsoft.com/office/powerpoint/2015/main" val="1"/>
-                </p:ext>
-              </p:extLst>
-            </p:nvPr>
-          </p:nvCxnSpPr>
-          <p:spPr>
-            <a:xfrm>
-              <a:off x="1667" y="6276706"/>
-              <a:ext cx="12189811" cy="0"/>
-            </a:xfrm>
-            <a:prstGeom prst="line">
-              <a:avLst/>
-            </a:prstGeom>
-            <a:ln w="12700">
-              <a:solidFill>
-                <a:schemeClr val="accent4"/>
-              </a:solidFill>
-            </a:ln>
-          </p:spPr>
-          <p:style>
-            <a:lnRef idx="1">
-              <a:schemeClr val="accent1"/>
-            </a:lnRef>
-            <a:fillRef idx="0">
-              <a:schemeClr val="accent1"/>
-            </a:fillRef>
-            <a:effectRef idx="0">
-              <a:schemeClr val="accent1"/>
-            </a:effectRef>
-            <a:fontRef idx="minor">
-              <a:schemeClr val="tx1"/>
-            </a:fontRef>
-          </p:style>
-        </p:cxnSp>
-        <p:cxnSp>
-          <p:nvCxnSpPr>
-            <p:cNvPr id="14" name="Straight Connector 13">
-              <a:extLst>
-                <a:ext uri="{FF2B5EF4-FFF2-40B4-BE49-F238E27FC236}">
-                  <a16:creationId xmlns:a16="http://schemas.microsoft.com/office/drawing/2014/main" id="{1249B524-B22D-40A1-81F7-459441A7E204}"/>
-                </a:ext>
-                <a:ext uri="{C183D7F6-B498-43B3-948B-1728B52AA6E4}">
-                  <adec:decorative xmlns:adec="http://schemas.microsoft.com/office/drawing/2017/decorative" val="1"/>
-                </a:ext>
-              </a:extLst>
-            </p:cNvPr>
-            <p:cNvCxnSpPr>
-              <a:cxnSpLocks/>
-            </p:cNvCxnSpPr>
-            <p:nvPr>
-              <p:extLst>
-                <p:ext uri="{386F3935-93C4-4BCD-93E2-E3B085C9AB24}">
-                  <p16:designElem xmlns:p16="http://schemas.microsoft.com/office/powerpoint/2015/main" val="1"/>
-                </p:ext>
-              </p:extLst>
-            </p:nvPr>
-          </p:nvCxnSpPr>
-          <p:spPr>
-            <a:xfrm>
-              <a:off x="4906" y="580876"/>
-              <a:ext cx="12192000" cy="0"/>
-            </a:xfrm>
-            <a:prstGeom prst="line">
-              <a:avLst/>
-            </a:prstGeom>
-            <a:ln w="12700">
-              <a:solidFill>
-                <a:schemeClr val="accent4"/>
-              </a:solidFill>
-            </a:ln>
-          </p:spPr>
-          <p:style>
-            <a:lnRef idx="1">
-              <a:schemeClr val="accent1"/>
-            </a:lnRef>
-            <a:fillRef idx="0">
-              <a:schemeClr val="accent1"/>
-            </a:fillRef>
-            <a:effectRef idx="0">
-              <a:schemeClr val="accent1"/>
-            </a:effectRef>
-            <a:fontRef idx="minor">
-              <a:schemeClr val="tx1"/>
-            </a:fontRef>
-          </p:style>
-        </p:cxnSp>
-        <p:cxnSp>
-          <p:nvCxnSpPr>
-            <p:cNvPr id="15" name="Straight Connector 14">
-              <a:extLst>
-                <a:ext uri="{FF2B5EF4-FFF2-40B4-BE49-F238E27FC236}">
-                  <a16:creationId xmlns:a16="http://schemas.microsoft.com/office/drawing/2014/main" id="{C8CCE87E-3564-469A-9A46-F794A0F940E8}"/>
-                </a:ext>
-                <a:ext uri="{C183D7F6-B498-43B3-948B-1728B52AA6E4}">
-                  <adec:decorative xmlns:adec="http://schemas.microsoft.com/office/drawing/2017/decorative" val="1"/>
-                </a:ext>
-              </a:extLst>
-            </p:cNvPr>
-            <p:cNvCxnSpPr>
-              <a:cxnSpLocks/>
-            </p:cNvCxnSpPr>
-            <p:nvPr>
-              <p:extLst>
-                <p:ext uri="{386F3935-93C4-4BCD-93E2-E3B085C9AB24}">
-                  <p16:designElem xmlns:p16="http://schemas.microsoft.com/office/powerpoint/2015/main" val="1"/>
-                </p:ext>
-              </p:extLst>
-            </p:nvPr>
-          </p:nvCxnSpPr>
-          <p:spPr>
-            <a:xfrm rot="16200000">
-              <a:off x="8134324" y="3428956"/>
-              <a:ext cx="6857912" cy="0"/>
-            </a:xfrm>
-            <a:prstGeom prst="line">
-              <a:avLst/>
-            </a:prstGeom>
-            <a:ln w="12700">
-              <a:solidFill>
-                <a:schemeClr val="accent4"/>
-              </a:solidFill>
-            </a:ln>
-          </p:spPr>
-          <p:style>
-            <a:lnRef idx="1">
-              <a:schemeClr val="accent1"/>
-            </a:lnRef>
-            <a:fillRef idx="0">
-              <a:schemeClr val="accent1"/>
-            </a:fillRef>
-            <a:effectRef idx="0">
-              <a:schemeClr val="accent1"/>
-            </a:effectRef>
-            <a:fontRef idx="minor">
-              <a:schemeClr val="tx1"/>
-            </a:fontRef>
-          </p:style>
-        </p:cxnSp>
-        <p:cxnSp>
-          <p:nvCxnSpPr>
-            <p:cNvPr id="16" name="Straight Connector 15">
-              <a:extLst>
-                <a:ext uri="{FF2B5EF4-FFF2-40B4-BE49-F238E27FC236}">
-                  <a16:creationId xmlns:a16="http://schemas.microsoft.com/office/drawing/2014/main" id="{04C96A98-5EF6-4542-9FA4-86B1D2651A94}"/>
-                </a:ext>
-                <a:ext uri="{C183D7F6-B498-43B3-948B-1728B52AA6E4}">
-                  <adec:decorative xmlns:adec="http://schemas.microsoft.com/office/drawing/2017/decorative" val="1"/>
-                </a:ext>
-              </a:extLst>
-            </p:cNvPr>
-            <p:cNvCxnSpPr>
-              <a:cxnSpLocks/>
-            </p:cNvCxnSpPr>
-            <p:nvPr>
-              <p:extLst>
-                <p:ext uri="{386F3935-93C4-4BCD-93E2-E3B085C9AB24}">
-                  <p16:designElem xmlns:p16="http://schemas.microsoft.com/office/powerpoint/2015/main" val="1"/>
-                </p:ext>
-              </p:extLst>
-            </p:nvPr>
-          </p:nvCxnSpPr>
-          <p:spPr>
-            <a:xfrm rot="16200000">
-              <a:off x="-2794261" y="3428956"/>
-              <a:ext cx="6857912" cy="0"/>
-            </a:xfrm>
-            <a:prstGeom prst="line">
-              <a:avLst/>
-            </a:prstGeom>
-            <a:ln w="12700">
-              <a:solidFill>
-                <a:schemeClr val="accent4"/>
-              </a:solidFill>
-            </a:ln>
-          </p:spPr>
-          <p:style>
-            <a:lnRef idx="1">
-              <a:schemeClr val="accent1"/>
-            </a:lnRef>
-            <a:fillRef idx="0">
-              <a:schemeClr val="accent1"/>
-            </a:fillRef>
-            <a:effectRef idx="0">
-              <a:schemeClr val="accent1"/>
-            </a:effectRef>
-            <a:fontRef idx="minor">
-              <a:schemeClr val="tx1"/>
-            </a:fontRef>
-          </p:style>
-        </p:cxnSp>
-        <p:sp>
-          <p:nvSpPr>
-            <p:cNvPr id="17" name="Graphic 33">
-              <a:extLst>
-                <a:ext uri="{FF2B5EF4-FFF2-40B4-BE49-F238E27FC236}">
-                  <a16:creationId xmlns:a16="http://schemas.microsoft.com/office/drawing/2014/main" id="{3BF088B1-D6D6-4925-9B48-5098FF09D036}"/>
-                </a:ext>
-                <a:ext uri="{C183D7F6-B498-43B3-948B-1728B52AA6E4}">
-                  <adec:decorative xmlns:adec="http://schemas.microsoft.com/office/drawing/2017/decorative" val="1"/>
-                </a:ext>
-              </a:extLst>
-            </p:cNvPr>
-            <p:cNvSpPr/>
-            <p:nvPr>
-              <p:extLst>
-                <p:ext uri="{386F3935-93C4-4BCD-93E2-E3B085C9AB24}">
-                  <p16:designElem xmlns:p16="http://schemas.microsoft.com/office/powerpoint/2015/main" val="1"/>
-                </p:ext>
-              </p:extLst>
-            </p:nvPr>
-          </p:nvSpPr>
-          <p:spPr>
-            <a:xfrm>
-              <a:off x="4277016" y="-1"/>
-              <a:ext cx="3637968" cy="580875"/>
-            </a:xfrm>
-            <a:custGeom>
-              <a:avLst/>
-              <a:gdLst>
-                <a:gd name="connsiteX0" fmla="*/ 0 w 2679858"/>
-                <a:gd name="connsiteY0" fmla="*/ 4953 h 434911"/>
-                <a:gd name="connsiteX1" fmla="*/ 1336548 w 2679858"/>
-                <a:gd name="connsiteY1" fmla="*/ 434912 h 434911"/>
-                <a:gd name="connsiteX2" fmla="*/ 2679859 w 2679858"/>
-                <a:gd name="connsiteY2" fmla="*/ 0 h 434911"/>
-              </a:gdLst>
-              <a:ahLst/>
-              <a:cxnLst>
-                <a:cxn ang="0">
-                  <a:pos x="connsiteX0" y="connsiteY0"/>
-                </a:cxn>
-                <a:cxn ang="0">
-                  <a:pos x="connsiteX1" y="connsiteY1"/>
-                </a:cxn>
-                <a:cxn ang="0">
-                  <a:pos x="connsiteX2" y="connsiteY2"/>
-                </a:cxn>
-              </a:cxnLst>
-              <a:rect l="l" t="t" r="r" b="b"/>
-              <a:pathLst>
-                <a:path w="2679858" h="434911">
-                  <a:moveTo>
-                    <a:pt x="0" y="4953"/>
-                  </a:moveTo>
-                  <a:cubicBezTo>
-                    <a:pt x="370427" y="274606"/>
-                    <a:pt x="833723" y="434912"/>
-                    <a:pt x="1336548" y="434912"/>
-                  </a:cubicBezTo>
-                  <a:cubicBezTo>
-                    <a:pt x="1842326" y="434912"/>
-                    <a:pt x="2308289" y="272701"/>
-                    <a:pt x="2679859" y="0"/>
-                  </a:cubicBezTo>
-                </a:path>
-              </a:pathLst>
-            </a:custGeom>
-            <a:noFill/>
-            <a:ln w="12700" cap="flat">
-              <a:solidFill>
-                <a:schemeClr val="accent4"/>
-              </a:solidFill>
-              <a:prstDash val="solid"/>
-              <a:miter/>
-            </a:ln>
-          </p:spPr>
-          <p:txBody>
-            <a:bodyPr rtlCol="0" anchor="ctr"/>
-            <a:lstStyle/>
-            <a:p>
-              <a:endParaRPr lang="en-US" dirty="0"/>
-            </a:p>
-          </p:txBody>
-        </p:sp>
-        <p:sp>
-          <p:nvSpPr>
-            <p:cNvPr id="18" name="Graphic 33">
-              <a:extLst>
-                <a:ext uri="{FF2B5EF4-FFF2-40B4-BE49-F238E27FC236}">
-                  <a16:creationId xmlns:a16="http://schemas.microsoft.com/office/drawing/2014/main" id="{6FA7DFD7-863A-4016-A231-DCB28B20D095}"/>
-                </a:ext>
-                <a:ext uri="{C183D7F6-B498-43B3-948B-1728B52AA6E4}">
-                  <adec:decorative xmlns:adec="http://schemas.microsoft.com/office/drawing/2017/decorative" val="1"/>
-                </a:ext>
-              </a:extLst>
-            </p:cNvPr>
-            <p:cNvSpPr/>
-            <p:nvPr>
-              <p:extLst>
-                <p:ext uri="{386F3935-93C4-4BCD-93E2-E3B085C9AB24}">
-                  <p16:designElem xmlns:p16="http://schemas.microsoft.com/office/powerpoint/2015/main" val="1"/>
-                </p:ext>
-              </p:extLst>
-            </p:nvPr>
-          </p:nvSpPr>
-          <p:spPr>
-            <a:xfrm rot="10800000">
-              <a:off x="4305089" y="6276705"/>
-              <a:ext cx="3581824" cy="581290"/>
-            </a:xfrm>
-            <a:custGeom>
-              <a:avLst/>
-              <a:gdLst>
-                <a:gd name="connsiteX0" fmla="*/ 0 w 2679858"/>
-                <a:gd name="connsiteY0" fmla="*/ 4953 h 434911"/>
-                <a:gd name="connsiteX1" fmla="*/ 1336548 w 2679858"/>
-                <a:gd name="connsiteY1" fmla="*/ 434912 h 434911"/>
-                <a:gd name="connsiteX2" fmla="*/ 2679859 w 2679858"/>
-                <a:gd name="connsiteY2" fmla="*/ 0 h 434911"/>
-              </a:gdLst>
-              <a:ahLst/>
-              <a:cxnLst>
-                <a:cxn ang="0">
-                  <a:pos x="connsiteX0" y="connsiteY0"/>
-                </a:cxn>
-                <a:cxn ang="0">
-                  <a:pos x="connsiteX1" y="connsiteY1"/>
-                </a:cxn>
-                <a:cxn ang="0">
-                  <a:pos x="connsiteX2" y="connsiteY2"/>
-                </a:cxn>
-              </a:cxnLst>
-              <a:rect l="l" t="t" r="r" b="b"/>
-              <a:pathLst>
-                <a:path w="2679858" h="434911">
-                  <a:moveTo>
-                    <a:pt x="0" y="4953"/>
-                  </a:moveTo>
-                  <a:cubicBezTo>
-                    <a:pt x="370427" y="274606"/>
-                    <a:pt x="833723" y="434912"/>
-                    <a:pt x="1336548" y="434912"/>
-                  </a:cubicBezTo>
-                  <a:cubicBezTo>
-                    <a:pt x="1842326" y="434912"/>
-                    <a:pt x="2308289" y="272701"/>
-                    <a:pt x="2679859" y="0"/>
-                  </a:cubicBezTo>
-                </a:path>
-              </a:pathLst>
-            </a:custGeom>
-            <a:noFill/>
-            <a:ln w="12700" cap="flat">
-              <a:solidFill>
-                <a:schemeClr val="accent4"/>
-              </a:solidFill>
-              <a:prstDash val="solid"/>
-              <a:miter/>
-            </a:ln>
-          </p:spPr>
-          <p:txBody>
-            <a:bodyPr rtlCol="0" anchor="ctr"/>
-            <a:lstStyle/>
-            <a:p>
-              <a:endParaRPr lang="en-US" dirty="0"/>
-            </a:p>
-          </p:txBody>
-        </p:sp>
-      </p:grpSp>
       <p:sp>
         <p:nvSpPr>
           <p:cNvPr id="2" name="Title 1">
@@ -5228,7 +4101,7 @@
         <p:spPr>
           <a:xfrm>
             <a:off x="838200" y="2434196"/>
-            <a:ext cx="8648158" cy="3430575"/>
+            <a:ext cx="9972550" cy="3430575"/>
           </a:xfrm>
         </p:spPr>
         <p:txBody>
@@ -5237,21 +4110,155 @@
           </a:bodyPr>
           <a:lstStyle/>
           <a:p>
-            <a:r>
-              <a:rPr lang="en-US" dirty="0"/>
-              <a:t>Using Spotify and Billboard Top 100 API data, we intend to show trends in music over time</a:t>
-            </a:r>
-          </a:p>
-          <a:p>
-            <a:r>
-              <a:rPr lang="en-US" dirty="0"/>
-              <a:t>We will visualize the top albums by year with a comparison for two different years – including bar charts for audio features (energy, danceability, tempo, duration)</a:t>
-            </a:r>
-          </a:p>
-          <a:p>
-            <a:r>
-              <a:rPr lang="en-US" dirty="0"/>
-              <a:t>We will also show a word cloud visualization based on playlist descriptions by Spotify playlist category and the top songs by chosen year with bubble charts of the lyric frequency of those songs</a:t>
+            <a:pPr marL="0" indent="0">
+              <a:buNone/>
+            </a:pPr>
+            <a:r>
+              <a:rPr lang="en-US" sz="2400" b="1" dirty="0"/>
+              <a:t>Goal: </a:t>
+            </a:r>
+            <a:r>
+              <a:rPr lang="en-US" sz="2400" dirty="0"/>
+              <a:t>Show trends in music over time using interactive visualizations</a:t>
+            </a:r>
+          </a:p>
+          <a:p>
+            <a:pPr marL="0" indent="0">
+              <a:buNone/>
+            </a:pPr>
+            <a:r>
+              <a:rPr lang="en-US" sz="2400" b="1" dirty="0"/>
+              <a:t>Data Sources: </a:t>
+            </a:r>
+            <a:r>
+              <a:rPr lang="en-US" sz="2400" dirty="0"/>
+              <a:t>Spotify API, Lyrics Genius API, and Billboard Music Charts API </a:t>
+            </a:r>
+          </a:p>
+          <a:p>
+            <a:pPr marL="0" indent="0">
+              <a:buNone/>
+            </a:pPr>
+            <a:endParaRPr lang="en-US" dirty="0"/>
+          </a:p>
+          <a:p>
+            <a:endParaRPr lang="en-US" dirty="0"/>
+          </a:p>
+        </p:txBody>
+      </p:sp>
+      <p:sp>
+        <p:nvSpPr>
+          <p:cNvPr id="4" name="Rounded Rectangle 3">
+            <a:extLst>
+              <a:ext uri="{FF2B5EF4-FFF2-40B4-BE49-F238E27FC236}">
+                <a16:creationId xmlns:a16="http://schemas.microsoft.com/office/drawing/2014/main" id="{99917CF7-2B26-812C-7CC3-18A9033516C3}"/>
+              </a:ext>
+            </a:extLst>
+          </p:cNvPr>
+          <p:cNvSpPr/>
+          <p:nvPr/>
+        </p:nvSpPr>
+        <p:spPr>
+          <a:xfrm>
+            <a:off x="4070430" y="3688162"/>
+            <a:ext cx="4051140" cy="2108677"/>
+          </a:xfrm>
+          <a:prstGeom prst="roundRect">
+            <a:avLst/>
+          </a:prstGeom>
+          <a:ln>
+            <a:solidFill>
+              <a:schemeClr val="accent3"/>
+            </a:solidFill>
+          </a:ln>
+        </p:spPr>
+        <p:style>
+          <a:lnRef idx="2">
+            <a:schemeClr val="accent4">
+              <a:shade val="15000"/>
+            </a:schemeClr>
+          </a:lnRef>
+          <a:fillRef idx="1">
+            <a:schemeClr val="accent4"/>
+          </a:fillRef>
+          <a:effectRef idx="0">
+            <a:schemeClr val="accent4"/>
+          </a:effectRef>
+          <a:fontRef idx="minor">
+            <a:schemeClr val="lt1"/>
+          </a:fontRef>
+        </p:style>
+        <p:txBody>
+          <a:bodyPr rtlCol="0" anchor="ctr"/>
+          <a:lstStyle/>
+          <a:p>
+            <a:pPr algn="ctr"/>
+            <a:endParaRPr lang="en-US"/>
+          </a:p>
+        </p:txBody>
+      </p:sp>
+      <p:sp>
+        <p:nvSpPr>
+          <p:cNvPr id="5" name="TextBox 4">
+            <a:extLst>
+              <a:ext uri="{FF2B5EF4-FFF2-40B4-BE49-F238E27FC236}">
+                <a16:creationId xmlns:a16="http://schemas.microsoft.com/office/drawing/2014/main" id="{D83D84B8-9E75-6BA0-6891-CD1715FB6547}"/>
+              </a:ext>
+            </a:extLst>
+          </p:cNvPr>
+          <p:cNvSpPr txBox="1"/>
+          <p:nvPr/>
+        </p:nvSpPr>
+        <p:spPr>
+          <a:xfrm>
+            <a:off x="3954683" y="3773004"/>
+            <a:ext cx="4282633" cy="1938992"/>
+          </a:xfrm>
+          <a:prstGeom prst="rect">
+            <a:avLst/>
+          </a:prstGeom>
+          <a:noFill/>
+        </p:spPr>
+        <p:txBody>
+          <a:bodyPr wrap="square" rtlCol="0">
+            <a:spAutoFit/>
+          </a:bodyPr>
+          <a:lstStyle/>
+          <a:p>
+            <a:pPr marL="0" indent="0" algn="ctr">
+              <a:buNone/>
+            </a:pPr>
+            <a:r>
+              <a:rPr lang="en-US" sz="2400" b="1" dirty="0"/>
+              <a:t>Areas of interest:</a:t>
+            </a:r>
+          </a:p>
+          <a:p>
+            <a:pPr algn="ctr"/>
+            <a:r>
+              <a:rPr lang="en-US" sz="2400" dirty="0"/>
+              <a:t>Song lyrics</a:t>
+            </a:r>
+          </a:p>
+          <a:p>
+            <a:pPr algn="ctr"/>
+            <a:r>
+              <a:rPr lang="en-US" sz="2400" dirty="0"/>
+              <a:t>Song titles</a:t>
+            </a:r>
+          </a:p>
+          <a:p>
+            <a:pPr algn="ctr"/>
+            <a:r>
+              <a:rPr lang="en-US" sz="2400" dirty="0"/>
+              <a:t>Music categories</a:t>
+            </a:r>
+          </a:p>
+          <a:p>
+            <a:pPr algn="ctr"/>
+            <a:r>
+              <a:rPr lang="en-US" sz="2400" dirty="0"/>
+              <a:t>Music features</a:t>
             </a:r>
           </a:p>
         </p:txBody>
@@ -5272,14 +4279,6 @@
 <file path=ppt/slides/slide3.xml><?xml version="1.0" encoding="utf-8"?>
 <p:sld xmlns:a="http://schemas.openxmlformats.org/drawingml/2006/main" xmlns:r="http://schemas.openxmlformats.org/officeDocument/2006/relationships" xmlns:p="http://schemas.openxmlformats.org/presentationml/2006/main">
   <p:cSld>
-    <p:bg>
-      <p:bgPr>
-        <a:solidFill>
-          <a:schemeClr val="bg2"/>
-        </a:solidFill>
-        <a:effectLst/>
-      </p:bgPr>
-    </p:bg>
     <p:spTree>
       <p:nvGrpSpPr>
         <p:cNvPr id="1" name=""/>
@@ -5294,540 +4293,6 @@
           <a:chExt cx="0" cy="0"/>
         </a:xfrm>
       </p:grpSpPr>
-      <p:sp useBgFill="1">
-        <p:nvSpPr>
-          <p:cNvPr id="8" name="Rectangle 7">
-            <a:extLst>
-              <a:ext uri="{FF2B5EF4-FFF2-40B4-BE49-F238E27FC236}">
-                <a16:creationId xmlns:a16="http://schemas.microsoft.com/office/drawing/2014/main" id="{CF10C978-51B5-420C-9A05-C8F194EACAC3}"/>
-              </a:ext>
-              <a:ext uri="{C183D7F6-B498-43B3-948B-1728B52AA6E4}">
-                <adec:decorative xmlns:adec="http://schemas.microsoft.com/office/drawing/2017/decorative" val="1"/>
-              </a:ext>
-            </a:extLst>
-          </p:cNvPr>
-          <p:cNvSpPr>
-            <a:spLocks noGrp="1" noRot="1" noChangeAspect="1" noMove="1" noResize="1" noEditPoints="1" noAdjustHandles="1" noChangeArrowheads="1" noChangeShapeType="1" noTextEdit="1"/>
-          </p:cNvSpPr>
-          <p:nvPr>
-            <p:extLst>
-              <p:ext uri="{386F3935-93C4-4BCD-93E2-E3B085C9AB24}">
-                <p16:designElem xmlns:p16="http://schemas.microsoft.com/office/powerpoint/2015/main" val="1"/>
-              </p:ext>
-            </p:extLst>
-          </p:nvPr>
-        </p:nvSpPr>
-        <p:spPr>
-          <a:xfrm>
-            <a:off x="1903" y="-597"/>
-            <a:ext cx="12192000" cy="6857997"/>
-          </a:xfrm>
-          <a:prstGeom prst="rect">
-            <a:avLst/>
-          </a:prstGeom>
-          <a:ln>
-            <a:noFill/>
-          </a:ln>
-        </p:spPr>
-        <p:style>
-          <a:lnRef idx="2">
-            <a:schemeClr val="accent1">
-              <a:shade val="50000"/>
-            </a:schemeClr>
-          </a:lnRef>
-          <a:fillRef idx="1">
-            <a:schemeClr val="accent1"/>
-          </a:fillRef>
-          <a:effectRef idx="0">
-            <a:schemeClr val="accent1"/>
-          </a:effectRef>
-          <a:fontRef idx="minor">
-            <a:schemeClr val="lt1"/>
-          </a:fontRef>
-        </p:style>
-        <p:txBody>
-          <a:bodyPr rtlCol="0" anchor="ctr"/>
-          <a:lstStyle/>
-          <a:p>
-            <a:pPr algn="ctr"/>
-            <a:endParaRPr lang="en-US" dirty="0"/>
-          </a:p>
-        </p:txBody>
-      </p:sp>
-      <p:sp>
-        <p:nvSpPr>
-          <p:cNvPr id="10" name="Rectangle 9">
-            <a:extLst>
-              <a:ext uri="{FF2B5EF4-FFF2-40B4-BE49-F238E27FC236}">
-                <a16:creationId xmlns:a16="http://schemas.microsoft.com/office/drawing/2014/main" id="{28D34D1C-4E49-4D32-96F1-E49CEBBF86E0}"/>
-              </a:ext>
-              <a:ext uri="{C183D7F6-B498-43B3-948B-1728B52AA6E4}">
-                <adec:decorative xmlns:adec="http://schemas.microsoft.com/office/drawing/2017/decorative" val="1"/>
-              </a:ext>
-            </a:extLst>
-          </p:cNvPr>
-          <p:cNvSpPr>
-            <a:spLocks noGrp="1" noRot="1" noChangeAspect="1" noMove="1" noResize="1" noEditPoints="1" noAdjustHandles="1" noChangeArrowheads="1" noChangeShapeType="1" noTextEdit="1"/>
-          </p:cNvSpPr>
-          <p:nvPr>
-            <p:extLst>
-              <p:ext uri="{386F3935-93C4-4BCD-93E2-E3B085C9AB24}">
-                <p16:designElem xmlns:p16="http://schemas.microsoft.com/office/powerpoint/2015/main" val="1"/>
-              </p:ext>
-            </p:extLst>
-          </p:nvPr>
-        </p:nvSpPr>
-        <p:spPr>
-          <a:xfrm>
-            <a:off x="2189" y="0"/>
-            <a:ext cx="12192000" cy="6857997"/>
-          </a:xfrm>
-          <a:prstGeom prst="rect">
-            <a:avLst/>
-          </a:prstGeom>
-          <a:solidFill>
-            <a:schemeClr val="bg2">
-              <a:lumMod val="60000"/>
-              <a:lumOff val="40000"/>
-            </a:schemeClr>
-          </a:solidFill>
-          <a:ln>
-            <a:noFill/>
-          </a:ln>
-        </p:spPr>
-        <p:style>
-          <a:lnRef idx="2">
-            <a:schemeClr val="accent1">
-              <a:shade val="50000"/>
-            </a:schemeClr>
-          </a:lnRef>
-          <a:fillRef idx="1">
-            <a:schemeClr val="accent1"/>
-          </a:fillRef>
-          <a:effectRef idx="0">
-            <a:schemeClr val="accent1"/>
-          </a:effectRef>
-          <a:fontRef idx="minor">
-            <a:schemeClr val="lt1"/>
-          </a:fontRef>
-        </p:style>
-        <p:txBody>
-          <a:bodyPr rtlCol="0" anchor="ctr"/>
-          <a:lstStyle/>
-          <a:p>
-            <a:pPr algn="ctr"/>
-            <a:endParaRPr lang="en-US" dirty="0"/>
-          </a:p>
-        </p:txBody>
-      </p:sp>
-      <p:grpSp>
-        <p:nvGrpSpPr>
-          <p:cNvPr id="12" name="Group 11">
-            <a:extLst>
-              <a:ext uri="{FF2B5EF4-FFF2-40B4-BE49-F238E27FC236}">
-                <a16:creationId xmlns:a16="http://schemas.microsoft.com/office/drawing/2014/main" id="{4E94C6EB-0BD0-4926-909B-CE0EFF459E24}"/>
-              </a:ext>
-              <a:ext uri="{C183D7F6-B498-43B3-948B-1728B52AA6E4}">
-                <adec:decorative xmlns:adec="http://schemas.microsoft.com/office/drawing/2017/decorative" val="1"/>
-              </a:ext>
-            </a:extLst>
-          </p:cNvPr>
-          <p:cNvGrpSpPr>
-            <a:grpSpLocks noGrp="1" noUngrp="1" noRot="1" noChangeAspect="1" noMove="1" noResize="1"/>
-          </p:cNvGrpSpPr>
-          <p:nvPr>
-            <p:extLst>
-              <p:ext uri="{386F3935-93C4-4BCD-93E2-E3B085C9AB24}">
-                <p16:designElem xmlns:p16="http://schemas.microsoft.com/office/powerpoint/2015/main" val="1"/>
-              </p:ext>
-            </p:extLst>
-          </p:nvPr>
-        </p:nvGrpSpPr>
-        <p:grpSpPr>
-          <a:xfrm>
-            <a:off x="1667" y="-1"/>
-            <a:ext cx="12195239" cy="6857996"/>
-            <a:chOff x="1667" y="-1"/>
-            <a:chExt cx="12195239" cy="6857996"/>
-          </a:xfrm>
-        </p:grpSpPr>
-        <p:cxnSp>
-          <p:nvCxnSpPr>
-            <p:cNvPr id="13" name="Straight Connector 12">
-              <a:extLst>
-                <a:ext uri="{FF2B5EF4-FFF2-40B4-BE49-F238E27FC236}">
-                  <a16:creationId xmlns:a16="http://schemas.microsoft.com/office/drawing/2014/main" id="{FD8D9AC5-1A8B-4F43-99E1-1D51CFFCF107}"/>
-                </a:ext>
-                <a:ext uri="{C183D7F6-B498-43B3-948B-1728B52AA6E4}">
-                  <adec:decorative xmlns:adec="http://schemas.microsoft.com/office/drawing/2017/decorative" val="1"/>
-                </a:ext>
-              </a:extLst>
-            </p:cNvPr>
-            <p:cNvCxnSpPr>
-              <a:cxnSpLocks/>
-            </p:cNvCxnSpPr>
-            <p:nvPr>
-              <p:extLst>
-                <p:ext uri="{386F3935-93C4-4BCD-93E2-E3B085C9AB24}">
-                  <p16:designElem xmlns:p16="http://schemas.microsoft.com/office/powerpoint/2015/main" val="1"/>
-                </p:ext>
-              </p:extLst>
-            </p:nvPr>
-          </p:nvCxnSpPr>
-          <p:spPr>
-            <a:xfrm>
-              <a:off x="1667" y="6276706"/>
-              <a:ext cx="12189811" cy="0"/>
-            </a:xfrm>
-            <a:prstGeom prst="line">
-              <a:avLst/>
-            </a:prstGeom>
-            <a:ln w="12700">
-              <a:solidFill>
-                <a:schemeClr val="accent4"/>
-              </a:solidFill>
-            </a:ln>
-          </p:spPr>
-          <p:style>
-            <a:lnRef idx="1">
-              <a:schemeClr val="accent1"/>
-            </a:lnRef>
-            <a:fillRef idx="0">
-              <a:schemeClr val="accent1"/>
-            </a:fillRef>
-            <a:effectRef idx="0">
-              <a:schemeClr val="accent1"/>
-            </a:effectRef>
-            <a:fontRef idx="minor">
-              <a:schemeClr val="tx1"/>
-            </a:fontRef>
-          </p:style>
-        </p:cxnSp>
-        <p:cxnSp>
-          <p:nvCxnSpPr>
-            <p:cNvPr id="14" name="Straight Connector 13">
-              <a:extLst>
-                <a:ext uri="{FF2B5EF4-FFF2-40B4-BE49-F238E27FC236}">
-                  <a16:creationId xmlns:a16="http://schemas.microsoft.com/office/drawing/2014/main" id="{1249B524-B22D-40A1-81F7-459441A7E204}"/>
-                </a:ext>
-                <a:ext uri="{C183D7F6-B498-43B3-948B-1728B52AA6E4}">
-                  <adec:decorative xmlns:adec="http://schemas.microsoft.com/office/drawing/2017/decorative" val="1"/>
-                </a:ext>
-              </a:extLst>
-            </p:cNvPr>
-            <p:cNvCxnSpPr>
-              <a:cxnSpLocks/>
-            </p:cNvCxnSpPr>
-            <p:nvPr>
-              <p:extLst>
-                <p:ext uri="{386F3935-93C4-4BCD-93E2-E3B085C9AB24}">
-                  <p16:designElem xmlns:p16="http://schemas.microsoft.com/office/powerpoint/2015/main" val="1"/>
-                </p:ext>
-              </p:extLst>
-            </p:nvPr>
-          </p:nvCxnSpPr>
-          <p:spPr>
-            <a:xfrm>
-              <a:off x="4906" y="580876"/>
-              <a:ext cx="12192000" cy="0"/>
-            </a:xfrm>
-            <a:prstGeom prst="line">
-              <a:avLst/>
-            </a:prstGeom>
-            <a:ln w="12700">
-              <a:solidFill>
-                <a:schemeClr val="accent4"/>
-              </a:solidFill>
-            </a:ln>
-          </p:spPr>
-          <p:style>
-            <a:lnRef idx="1">
-              <a:schemeClr val="accent1"/>
-            </a:lnRef>
-            <a:fillRef idx="0">
-              <a:schemeClr val="accent1"/>
-            </a:fillRef>
-            <a:effectRef idx="0">
-              <a:schemeClr val="accent1"/>
-            </a:effectRef>
-            <a:fontRef idx="minor">
-              <a:schemeClr val="tx1"/>
-            </a:fontRef>
-          </p:style>
-        </p:cxnSp>
-        <p:cxnSp>
-          <p:nvCxnSpPr>
-            <p:cNvPr id="15" name="Straight Connector 14">
-              <a:extLst>
-                <a:ext uri="{FF2B5EF4-FFF2-40B4-BE49-F238E27FC236}">
-                  <a16:creationId xmlns:a16="http://schemas.microsoft.com/office/drawing/2014/main" id="{C8CCE87E-3564-469A-9A46-F794A0F940E8}"/>
-                </a:ext>
-                <a:ext uri="{C183D7F6-B498-43B3-948B-1728B52AA6E4}">
-                  <adec:decorative xmlns:adec="http://schemas.microsoft.com/office/drawing/2017/decorative" val="1"/>
-                </a:ext>
-              </a:extLst>
-            </p:cNvPr>
-            <p:cNvCxnSpPr>
-              <a:cxnSpLocks/>
-            </p:cNvCxnSpPr>
-            <p:nvPr>
-              <p:extLst>
-                <p:ext uri="{386F3935-93C4-4BCD-93E2-E3B085C9AB24}">
-                  <p16:designElem xmlns:p16="http://schemas.microsoft.com/office/powerpoint/2015/main" val="1"/>
-                </p:ext>
-              </p:extLst>
-            </p:nvPr>
-          </p:nvCxnSpPr>
-          <p:spPr>
-            <a:xfrm rot="16200000">
-              <a:off x="8134324" y="3428956"/>
-              <a:ext cx="6857912" cy="0"/>
-            </a:xfrm>
-            <a:prstGeom prst="line">
-              <a:avLst/>
-            </a:prstGeom>
-            <a:ln w="12700">
-              <a:solidFill>
-                <a:schemeClr val="accent4"/>
-              </a:solidFill>
-            </a:ln>
-          </p:spPr>
-          <p:style>
-            <a:lnRef idx="1">
-              <a:schemeClr val="accent1"/>
-            </a:lnRef>
-            <a:fillRef idx="0">
-              <a:schemeClr val="accent1"/>
-            </a:fillRef>
-            <a:effectRef idx="0">
-              <a:schemeClr val="accent1"/>
-            </a:effectRef>
-            <a:fontRef idx="minor">
-              <a:schemeClr val="tx1"/>
-            </a:fontRef>
-          </p:style>
-        </p:cxnSp>
-        <p:cxnSp>
-          <p:nvCxnSpPr>
-            <p:cNvPr id="16" name="Straight Connector 15">
-              <a:extLst>
-                <a:ext uri="{FF2B5EF4-FFF2-40B4-BE49-F238E27FC236}">
-                  <a16:creationId xmlns:a16="http://schemas.microsoft.com/office/drawing/2014/main" id="{04C96A98-5EF6-4542-9FA4-86B1D2651A94}"/>
-                </a:ext>
-                <a:ext uri="{C183D7F6-B498-43B3-948B-1728B52AA6E4}">
-                  <adec:decorative xmlns:adec="http://schemas.microsoft.com/office/drawing/2017/decorative" val="1"/>
-                </a:ext>
-              </a:extLst>
-            </p:cNvPr>
-            <p:cNvCxnSpPr>
-              <a:cxnSpLocks/>
-            </p:cNvCxnSpPr>
-            <p:nvPr>
-              <p:extLst>
-                <p:ext uri="{386F3935-93C4-4BCD-93E2-E3B085C9AB24}">
-                  <p16:designElem xmlns:p16="http://schemas.microsoft.com/office/powerpoint/2015/main" val="1"/>
-                </p:ext>
-              </p:extLst>
-            </p:nvPr>
-          </p:nvCxnSpPr>
-          <p:spPr>
-            <a:xfrm rot="16200000">
-              <a:off x="-2794261" y="3428956"/>
-              <a:ext cx="6857912" cy="0"/>
-            </a:xfrm>
-            <a:prstGeom prst="line">
-              <a:avLst/>
-            </a:prstGeom>
-            <a:ln w="12700">
-              <a:solidFill>
-                <a:schemeClr val="accent4"/>
-              </a:solidFill>
-            </a:ln>
-          </p:spPr>
-          <p:style>
-            <a:lnRef idx="1">
-              <a:schemeClr val="accent1"/>
-            </a:lnRef>
-            <a:fillRef idx="0">
-              <a:schemeClr val="accent1"/>
-            </a:fillRef>
-            <a:effectRef idx="0">
-              <a:schemeClr val="accent1"/>
-            </a:effectRef>
-            <a:fontRef idx="minor">
-              <a:schemeClr val="tx1"/>
-            </a:fontRef>
-          </p:style>
-        </p:cxnSp>
-        <p:sp>
-          <p:nvSpPr>
-            <p:cNvPr id="17" name="Graphic 33">
-              <a:extLst>
-                <a:ext uri="{FF2B5EF4-FFF2-40B4-BE49-F238E27FC236}">
-                  <a16:creationId xmlns:a16="http://schemas.microsoft.com/office/drawing/2014/main" id="{3BF088B1-D6D6-4925-9B48-5098FF09D036}"/>
-                </a:ext>
-                <a:ext uri="{C183D7F6-B498-43B3-948B-1728B52AA6E4}">
-                  <adec:decorative xmlns:adec="http://schemas.microsoft.com/office/drawing/2017/decorative" val="1"/>
-                </a:ext>
-              </a:extLst>
-            </p:cNvPr>
-            <p:cNvSpPr/>
-            <p:nvPr>
-              <p:extLst>
-                <p:ext uri="{386F3935-93C4-4BCD-93E2-E3B085C9AB24}">
-                  <p16:designElem xmlns:p16="http://schemas.microsoft.com/office/powerpoint/2015/main" val="1"/>
-                </p:ext>
-              </p:extLst>
-            </p:nvPr>
-          </p:nvSpPr>
-          <p:spPr>
-            <a:xfrm>
-              <a:off x="4277016" y="-1"/>
-              <a:ext cx="3637968" cy="580875"/>
-            </a:xfrm>
-            <a:custGeom>
-              <a:avLst/>
-              <a:gdLst>
-                <a:gd name="connsiteX0" fmla="*/ 0 w 2679858"/>
-                <a:gd name="connsiteY0" fmla="*/ 4953 h 434911"/>
-                <a:gd name="connsiteX1" fmla="*/ 1336548 w 2679858"/>
-                <a:gd name="connsiteY1" fmla="*/ 434912 h 434911"/>
-                <a:gd name="connsiteX2" fmla="*/ 2679859 w 2679858"/>
-                <a:gd name="connsiteY2" fmla="*/ 0 h 434911"/>
-              </a:gdLst>
-              <a:ahLst/>
-              <a:cxnLst>
-                <a:cxn ang="0">
-                  <a:pos x="connsiteX0" y="connsiteY0"/>
-                </a:cxn>
-                <a:cxn ang="0">
-                  <a:pos x="connsiteX1" y="connsiteY1"/>
-                </a:cxn>
-                <a:cxn ang="0">
-                  <a:pos x="connsiteX2" y="connsiteY2"/>
-                </a:cxn>
-              </a:cxnLst>
-              <a:rect l="l" t="t" r="r" b="b"/>
-              <a:pathLst>
-                <a:path w="2679858" h="434911">
-                  <a:moveTo>
-                    <a:pt x="0" y="4953"/>
-                  </a:moveTo>
-                  <a:cubicBezTo>
-                    <a:pt x="370427" y="274606"/>
-                    <a:pt x="833723" y="434912"/>
-                    <a:pt x="1336548" y="434912"/>
-                  </a:cubicBezTo>
-                  <a:cubicBezTo>
-                    <a:pt x="1842326" y="434912"/>
-                    <a:pt x="2308289" y="272701"/>
-                    <a:pt x="2679859" y="0"/>
-                  </a:cubicBezTo>
-                </a:path>
-              </a:pathLst>
-            </a:custGeom>
-            <a:noFill/>
-            <a:ln w="12700" cap="flat">
-              <a:solidFill>
-                <a:schemeClr val="accent4"/>
-              </a:solidFill>
-              <a:prstDash val="solid"/>
-              <a:miter/>
-            </a:ln>
-          </p:spPr>
-          <p:txBody>
-            <a:bodyPr rtlCol="0" anchor="ctr"/>
-            <a:lstStyle/>
-            <a:p>
-              <a:endParaRPr lang="en-US" dirty="0"/>
-            </a:p>
-          </p:txBody>
-        </p:sp>
-        <p:sp>
-          <p:nvSpPr>
-            <p:cNvPr id="18" name="Graphic 33">
-              <a:extLst>
-                <a:ext uri="{FF2B5EF4-FFF2-40B4-BE49-F238E27FC236}">
-                  <a16:creationId xmlns:a16="http://schemas.microsoft.com/office/drawing/2014/main" id="{6FA7DFD7-863A-4016-A231-DCB28B20D095}"/>
-                </a:ext>
-                <a:ext uri="{C183D7F6-B498-43B3-948B-1728B52AA6E4}">
-                  <adec:decorative xmlns:adec="http://schemas.microsoft.com/office/drawing/2017/decorative" val="1"/>
-                </a:ext>
-              </a:extLst>
-            </p:cNvPr>
-            <p:cNvSpPr/>
-            <p:nvPr>
-              <p:extLst>
-                <p:ext uri="{386F3935-93C4-4BCD-93E2-E3B085C9AB24}">
-                  <p16:designElem xmlns:p16="http://schemas.microsoft.com/office/powerpoint/2015/main" val="1"/>
-                </p:ext>
-              </p:extLst>
-            </p:nvPr>
-          </p:nvSpPr>
-          <p:spPr>
-            <a:xfrm rot="10800000">
-              <a:off x="4305089" y="6276705"/>
-              <a:ext cx="3581824" cy="581290"/>
-            </a:xfrm>
-            <a:custGeom>
-              <a:avLst/>
-              <a:gdLst>
-                <a:gd name="connsiteX0" fmla="*/ 0 w 2679858"/>
-                <a:gd name="connsiteY0" fmla="*/ 4953 h 434911"/>
-                <a:gd name="connsiteX1" fmla="*/ 1336548 w 2679858"/>
-                <a:gd name="connsiteY1" fmla="*/ 434912 h 434911"/>
-                <a:gd name="connsiteX2" fmla="*/ 2679859 w 2679858"/>
-                <a:gd name="connsiteY2" fmla="*/ 0 h 434911"/>
-              </a:gdLst>
-              <a:ahLst/>
-              <a:cxnLst>
-                <a:cxn ang="0">
-                  <a:pos x="connsiteX0" y="connsiteY0"/>
-                </a:cxn>
-                <a:cxn ang="0">
-                  <a:pos x="connsiteX1" y="connsiteY1"/>
-                </a:cxn>
-                <a:cxn ang="0">
-                  <a:pos x="connsiteX2" y="connsiteY2"/>
-                </a:cxn>
-              </a:cxnLst>
-              <a:rect l="l" t="t" r="r" b="b"/>
-              <a:pathLst>
-                <a:path w="2679858" h="434911">
-                  <a:moveTo>
-                    <a:pt x="0" y="4953"/>
-                  </a:moveTo>
-                  <a:cubicBezTo>
-                    <a:pt x="370427" y="274606"/>
-                    <a:pt x="833723" y="434912"/>
-                    <a:pt x="1336548" y="434912"/>
-                  </a:cubicBezTo>
-                  <a:cubicBezTo>
-                    <a:pt x="1842326" y="434912"/>
-                    <a:pt x="2308289" y="272701"/>
-                    <a:pt x="2679859" y="0"/>
-                  </a:cubicBezTo>
-                </a:path>
-              </a:pathLst>
-            </a:custGeom>
-            <a:noFill/>
-            <a:ln w="12700" cap="flat">
-              <a:solidFill>
-                <a:schemeClr val="accent4"/>
-              </a:solidFill>
-              <a:prstDash val="solid"/>
-              <a:miter/>
-            </a:ln>
-          </p:spPr>
-          <p:txBody>
-            <a:bodyPr rtlCol="0" anchor="ctr"/>
-            <a:lstStyle/>
-            <a:p>
-              <a:endParaRPr lang="en-US" dirty="0"/>
-            </a:p>
-          </p:txBody>
-        </p:sp>
-      </p:grpSp>
       <p:sp>
         <p:nvSpPr>
           <p:cNvPr id="2" name="Title 1">
@@ -5856,7 +4321,917 @@
           </a:bodyPr>
           <a:lstStyle/>
           <a:p>
+            <a:r>
+              <a:rPr lang="en-US" dirty="0"/>
+              <a:t>Data</a:t>
+            </a:r>
+          </a:p>
+        </p:txBody>
+      </p:sp>
+      <p:sp>
+        <p:nvSpPr>
+          <p:cNvPr id="3" name="Content Placeholder 2">
+            <a:extLst>
+              <a:ext uri="{FF2B5EF4-FFF2-40B4-BE49-F238E27FC236}">
+                <a16:creationId xmlns:a16="http://schemas.microsoft.com/office/drawing/2014/main" id="{DA01AE45-5F70-431E-08DB-608D4F96C06B}"/>
+              </a:ext>
+            </a:extLst>
+          </p:cNvPr>
+          <p:cNvSpPr>
+            <a:spLocks noGrp="1"/>
+          </p:cNvSpPr>
+          <p:nvPr>
+            <p:ph idx="1"/>
+          </p:nvPr>
+        </p:nvSpPr>
+        <p:spPr>
+          <a:xfrm>
+            <a:off x="838200" y="2014004"/>
+            <a:ext cx="8648158" cy="3850768"/>
+          </a:xfrm>
+        </p:spPr>
+        <p:txBody>
+          <a:bodyPr>
+            <a:normAutofit/>
+          </a:bodyPr>
+          <a:lstStyle/>
+          <a:p>
+            <a:r>
+              <a:rPr lang="en-US" dirty="0"/>
+              <a:t>Categories Table </a:t>
+            </a:r>
+          </a:p>
+          <a:p>
+            <a:pPr lvl="1"/>
+            <a:r>
+              <a:rPr lang="en-US" dirty="0"/>
+              <a:t>Source: Billboard API</a:t>
+            </a:r>
+          </a:p>
+          <a:p>
+            <a:pPr lvl="1"/>
+            <a:r>
+              <a:rPr lang="en-US" dirty="0"/>
+              <a:t>Year: current charts</a:t>
+            </a:r>
+          </a:p>
+          <a:p>
+            <a:pPr lvl="1"/>
+            <a:r>
+              <a:rPr lang="en-US" dirty="0"/>
+              <a:t>Data: Top 40 songs by category with song rank, title, and artist</a:t>
+            </a:r>
+          </a:p>
+          <a:p>
+            <a:pPr lvl="1"/>
+            <a:r>
+              <a:rPr lang="en-US" dirty="0"/>
+              <a:t>Categories: Greatest of all time, Pop, Country, Rock, Alternative, R&amp;B/ Hip hop, Dance/electronic, and Latin </a:t>
+            </a:r>
+          </a:p>
+          <a:p>
+            <a:r>
+              <a:rPr lang="en-US" dirty="0"/>
+              <a:t>Top 10 Songs Table</a:t>
+            </a:r>
+          </a:p>
+          <a:p>
+            <a:pPr lvl="1"/>
+            <a:r>
+              <a:rPr lang="en-US" dirty="0"/>
+              <a:t>Source: Billboard API, Lyric Genius API, and Spotify API</a:t>
+            </a:r>
+          </a:p>
+          <a:p>
+            <a:pPr lvl="1"/>
+            <a:r>
+              <a:rPr lang="en-US" dirty="0"/>
+              <a:t>Years: 2006-2023</a:t>
+            </a:r>
+          </a:p>
+          <a:p>
+            <a:pPr lvl="1"/>
+            <a:r>
+              <a:rPr lang="en-US" dirty="0"/>
+              <a:t>Data: Top 10 songs by year with rank, title, artist, lyrics, and music features </a:t>
+            </a:r>
+          </a:p>
+          <a:p>
+            <a:pPr lvl="1"/>
+            <a:r>
+              <a:rPr lang="en-US" dirty="0"/>
+              <a:t>Music Features: Popularity, Danceability, Energy, Tempo, Duration</a:t>
+            </a:r>
+          </a:p>
+          <a:p>
+            <a:pPr lvl="1"/>
+            <a:endParaRPr lang="en-US" dirty="0"/>
+          </a:p>
+        </p:txBody>
+      </p:sp>
+    </p:spTree>
+    <p:extLst>
+      <p:ext uri="{BB962C8B-B14F-4D97-AF65-F5344CB8AC3E}">
+        <p14:creationId xmlns:p14="http://schemas.microsoft.com/office/powerpoint/2010/main" val="1133826956"/>
+      </p:ext>
+    </p:extLst>
+  </p:cSld>
+  <p:clrMapOvr>
+    <a:overrideClrMapping bg1="dk1" tx1="lt1" bg2="dk2" tx2="lt2" accent1="accent1" accent2="accent2" accent3="accent3" accent4="accent4" accent5="accent5" accent6="accent6" hlink="hlink" folHlink="folHlink"/>
+  </p:clrMapOvr>
+</p:sld>
+</file>
+
+<file path=ppt/slides/slide4.xml><?xml version="1.0" encoding="utf-8"?>
+<p:sld xmlns:a="http://schemas.openxmlformats.org/drawingml/2006/main" xmlns:r="http://schemas.openxmlformats.org/officeDocument/2006/relationships" xmlns:p="http://schemas.openxmlformats.org/presentationml/2006/main">
+  <p:cSld>
+    <p:spTree>
+      <p:nvGrpSpPr>
+        <p:cNvPr id="1" name=""/>
+        <p:cNvGrpSpPr/>
+        <p:nvPr/>
+      </p:nvGrpSpPr>
+      <p:grpSpPr>
+        <a:xfrm>
+          <a:off x="0" y="0"/>
+          <a:ext cx="0" cy="0"/>
+          <a:chOff x="0" y="0"/>
+          <a:chExt cx="0" cy="0"/>
+        </a:xfrm>
+      </p:grpSpPr>
+      <p:sp>
+        <p:nvSpPr>
+          <p:cNvPr id="8" name="Title 1">
+            <a:extLst>
+              <a:ext uri="{FF2B5EF4-FFF2-40B4-BE49-F238E27FC236}">
+                <a16:creationId xmlns:a16="http://schemas.microsoft.com/office/drawing/2014/main" id="{3187C2FA-BCE1-1DAF-B834-B62CE1292DA4}"/>
+              </a:ext>
+            </a:extLst>
+          </p:cNvPr>
+          <p:cNvSpPr>
+            <a:spLocks noGrp="1"/>
+          </p:cNvSpPr>
+          <p:nvPr>
+            <p:ph type="title"/>
+          </p:nvPr>
+        </p:nvSpPr>
+        <p:spPr>
+          <a:xfrm>
+            <a:off x="838199" y="727323"/>
+            <a:ext cx="3842317" cy="1228799"/>
+          </a:xfrm>
+        </p:spPr>
+        <p:txBody>
+          <a:bodyPr anchor="b">
+            <a:normAutofit/>
+          </a:bodyPr>
+          <a:lstStyle/>
+          <a:p>
+            <a:r>
+              <a:rPr lang="en-US" dirty="0"/>
+              <a:t>Music Features </a:t>
+            </a:r>
+          </a:p>
+        </p:txBody>
+      </p:sp>
+      <p:sp>
+        <p:nvSpPr>
+          <p:cNvPr id="9" name="Content Placeholder 2">
+            <a:extLst>
+              <a:ext uri="{FF2B5EF4-FFF2-40B4-BE49-F238E27FC236}">
+                <a16:creationId xmlns:a16="http://schemas.microsoft.com/office/drawing/2014/main" id="{E3A4ADA4-342D-C0DF-2EFB-19D1075DC055}"/>
+              </a:ext>
+            </a:extLst>
+          </p:cNvPr>
+          <p:cNvSpPr>
+            <a:spLocks noGrp="1"/>
+          </p:cNvSpPr>
+          <p:nvPr>
+            <p:ph idx="1"/>
+          </p:nvPr>
+        </p:nvSpPr>
+        <p:spPr>
+          <a:xfrm>
+            <a:off x="838199" y="1956122"/>
+            <a:ext cx="4289386" cy="4220840"/>
+          </a:xfrm>
+        </p:spPr>
+        <p:txBody>
+          <a:bodyPr>
+            <a:normAutofit/>
+          </a:bodyPr>
+          <a:lstStyle/>
+          <a:p>
+            <a:pPr>
+              <a:lnSpc>
+                <a:spcPct val="100000"/>
+              </a:lnSpc>
+            </a:pPr>
+            <a:r>
+              <a:rPr lang="en-US" sz="1500" dirty="0"/>
+              <a:t>Data</a:t>
+            </a:r>
+          </a:p>
+          <a:p>
+            <a:pPr lvl="1">
+              <a:lnSpc>
+                <a:spcPct val="100000"/>
+              </a:lnSpc>
+            </a:pPr>
+            <a:r>
+              <a:rPr lang="en-US" sz="1500" dirty="0"/>
+              <a:t>FILL IN</a:t>
+            </a:r>
+          </a:p>
+          <a:p>
+            <a:pPr>
+              <a:lnSpc>
+                <a:spcPct val="100000"/>
+              </a:lnSpc>
+            </a:pPr>
+            <a:r>
+              <a:rPr lang="en-US" sz="1500" dirty="0"/>
+              <a:t>Data visualization</a:t>
+            </a:r>
+          </a:p>
+          <a:p>
+            <a:pPr lvl="1">
+              <a:lnSpc>
+                <a:spcPct val="100000"/>
+              </a:lnSpc>
+            </a:pPr>
+            <a:r>
+              <a:rPr lang="en-US" sz="1500" dirty="0"/>
+              <a:t>FILL IN</a:t>
+            </a:r>
+          </a:p>
+          <a:p>
+            <a:pPr>
+              <a:lnSpc>
+                <a:spcPct val="100000"/>
+              </a:lnSpc>
+            </a:pPr>
+            <a:r>
+              <a:rPr lang="en-US" sz="1500" dirty="0"/>
+              <a:t>User interaction</a:t>
+            </a:r>
+          </a:p>
+          <a:p>
+            <a:pPr lvl="1">
+              <a:lnSpc>
+                <a:spcPct val="100000"/>
+              </a:lnSpc>
+            </a:pPr>
+            <a:r>
+              <a:rPr lang="en-US" sz="1500" dirty="0"/>
+              <a:t>FILL IN</a:t>
+            </a:r>
+          </a:p>
+          <a:p>
+            <a:pPr>
+              <a:lnSpc>
+                <a:spcPct val="100000"/>
+              </a:lnSpc>
+            </a:pPr>
+            <a:endParaRPr lang="en-US" sz="1500" dirty="0"/>
+          </a:p>
+          <a:p>
+            <a:pPr marL="457200" lvl="1" indent="0">
+              <a:lnSpc>
+                <a:spcPct val="100000"/>
+              </a:lnSpc>
+              <a:buNone/>
+            </a:pPr>
+            <a:endParaRPr lang="en-US" sz="1500" dirty="0"/>
+          </a:p>
+        </p:txBody>
+      </p:sp>
+      <p:sp>
+        <p:nvSpPr>
+          <p:cNvPr id="11" name="Round Same Side Corner Rectangle 10">
+            <a:extLst>
+              <a:ext uri="{FF2B5EF4-FFF2-40B4-BE49-F238E27FC236}">
+                <a16:creationId xmlns:a16="http://schemas.microsoft.com/office/drawing/2014/main" id="{4E3D6585-A87F-1C5C-2A7F-F607E0BE673B}"/>
+              </a:ext>
+            </a:extLst>
+          </p:cNvPr>
+          <p:cNvSpPr/>
+          <p:nvPr/>
+        </p:nvSpPr>
+        <p:spPr>
+          <a:xfrm>
+            <a:off x="6096000" y="1341722"/>
+            <a:ext cx="4884517" cy="4420245"/>
+          </a:xfrm>
+          <a:prstGeom prst="round2SameRect">
+            <a:avLst/>
+          </a:prstGeom>
+          <a:ln>
+            <a:solidFill>
+              <a:schemeClr val="accent3"/>
+            </a:solidFill>
+          </a:ln>
+        </p:spPr>
+        <p:style>
+          <a:lnRef idx="2">
+            <a:schemeClr val="accent6"/>
+          </a:lnRef>
+          <a:fillRef idx="1">
+            <a:schemeClr val="lt1"/>
+          </a:fillRef>
+          <a:effectRef idx="0">
+            <a:schemeClr val="accent6"/>
+          </a:effectRef>
+          <a:fontRef idx="minor">
+            <a:schemeClr val="dk1"/>
+          </a:fontRef>
+        </p:style>
+        <p:txBody>
+          <a:bodyPr rtlCol="0" anchor="ctr"/>
+          <a:lstStyle/>
+          <a:p>
+            <a:pPr algn="ctr"/>
             <a:endParaRPr lang="en-US"/>
+          </a:p>
+        </p:txBody>
+      </p:sp>
+    </p:spTree>
+    <p:extLst>
+      <p:ext uri="{BB962C8B-B14F-4D97-AF65-F5344CB8AC3E}">
+        <p14:creationId xmlns:p14="http://schemas.microsoft.com/office/powerpoint/2010/main" val="3219332219"/>
+      </p:ext>
+    </p:extLst>
+  </p:cSld>
+  <p:clrMapOvr>
+    <a:overrideClrMapping bg1="dk1" tx1="lt1" bg2="dk2" tx2="lt2" accent1="accent1" accent2="accent2" accent3="accent3" accent4="accent4" accent5="accent5" accent6="accent6" hlink="hlink" folHlink="folHlink"/>
+  </p:clrMapOvr>
+</p:sld>
+</file>
+
+<file path=ppt/slides/slide5.xml><?xml version="1.0" encoding="utf-8"?>
+<p:sld xmlns:a="http://schemas.openxmlformats.org/drawingml/2006/main" xmlns:r="http://schemas.openxmlformats.org/officeDocument/2006/relationships" xmlns:p="http://schemas.openxmlformats.org/presentationml/2006/main">
+  <p:cSld>
+    <p:spTree>
+      <p:nvGrpSpPr>
+        <p:cNvPr id="1" name=""/>
+        <p:cNvGrpSpPr/>
+        <p:nvPr/>
+      </p:nvGrpSpPr>
+      <p:grpSpPr>
+        <a:xfrm>
+          <a:off x="0" y="0"/>
+          <a:ext cx="0" cy="0"/>
+          <a:chOff x="0" y="0"/>
+          <a:chExt cx="0" cy="0"/>
+        </a:xfrm>
+      </p:grpSpPr>
+      <p:sp>
+        <p:nvSpPr>
+          <p:cNvPr id="8" name="Title 1">
+            <a:extLst>
+              <a:ext uri="{FF2B5EF4-FFF2-40B4-BE49-F238E27FC236}">
+                <a16:creationId xmlns:a16="http://schemas.microsoft.com/office/drawing/2014/main" id="{3187C2FA-BCE1-1DAF-B834-B62CE1292DA4}"/>
+              </a:ext>
+            </a:extLst>
+          </p:cNvPr>
+          <p:cNvSpPr>
+            <a:spLocks noGrp="1"/>
+          </p:cNvSpPr>
+          <p:nvPr>
+            <p:ph type="title"/>
+          </p:nvPr>
+        </p:nvSpPr>
+        <p:spPr>
+          <a:xfrm>
+            <a:off x="838199" y="727323"/>
+            <a:ext cx="3842317" cy="1228799"/>
+          </a:xfrm>
+        </p:spPr>
+        <p:txBody>
+          <a:bodyPr anchor="b">
+            <a:normAutofit/>
+          </a:bodyPr>
+          <a:lstStyle/>
+          <a:p>
+            <a:r>
+              <a:rPr lang="en-US" dirty="0"/>
+              <a:t>Naming Trends</a:t>
+            </a:r>
+          </a:p>
+        </p:txBody>
+      </p:sp>
+      <p:sp>
+        <p:nvSpPr>
+          <p:cNvPr id="9" name="Content Placeholder 2">
+            <a:extLst>
+              <a:ext uri="{FF2B5EF4-FFF2-40B4-BE49-F238E27FC236}">
+                <a16:creationId xmlns:a16="http://schemas.microsoft.com/office/drawing/2014/main" id="{E3A4ADA4-342D-C0DF-2EFB-19D1075DC055}"/>
+              </a:ext>
+            </a:extLst>
+          </p:cNvPr>
+          <p:cNvSpPr>
+            <a:spLocks noGrp="1"/>
+          </p:cNvSpPr>
+          <p:nvPr>
+            <p:ph idx="1"/>
+          </p:nvPr>
+        </p:nvSpPr>
+        <p:spPr>
+          <a:xfrm>
+            <a:off x="838199" y="1956122"/>
+            <a:ext cx="4289386" cy="4220840"/>
+          </a:xfrm>
+        </p:spPr>
+        <p:txBody>
+          <a:bodyPr>
+            <a:normAutofit/>
+          </a:bodyPr>
+          <a:lstStyle/>
+          <a:p>
+            <a:pPr>
+              <a:lnSpc>
+                <a:spcPct val="100000"/>
+              </a:lnSpc>
+            </a:pPr>
+            <a:r>
+              <a:rPr lang="en-US" sz="1500" dirty="0"/>
+              <a:t>Data</a:t>
+            </a:r>
+          </a:p>
+          <a:p>
+            <a:pPr lvl="1">
+              <a:lnSpc>
+                <a:spcPct val="100000"/>
+              </a:lnSpc>
+            </a:pPr>
+            <a:r>
+              <a:rPr lang="en-US" sz="1500" dirty="0"/>
+              <a:t>Data was taken from the categories table </a:t>
+            </a:r>
+          </a:p>
+          <a:p>
+            <a:pPr lvl="1">
+              <a:lnSpc>
+                <a:spcPct val="100000"/>
+              </a:lnSpc>
+            </a:pPr>
+            <a:r>
+              <a:rPr lang="en-US" sz="1500" dirty="0"/>
+              <a:t>Current top 40 songs by music category</a:t>
+            </a:r>
+          </a:p>
+          <a:p>
+            <a:pPr>
+              <a:lnSpc>
+                <a:spcPct val="100000"/>
+              </a:lnSpc>
+            </a:pPr>
+            <a:r>
+              <a:rPr lang="en-US" sz="1500" dirty="0"/>
+              <a:t>Data visualization</a:t>
+            </a:r>
+          </a:p>
+          <a:p>
+            <a:pPr lvl="1">
+              <a:lnSpc>
+                <a:spcPct val="100000"/>
+              </a:lnSpc>
+            </a:pPr>
+            <a:r>
+              <a:rPr lang="en-US" sz="1500" dirty="0"/>
+              <a:t>D3 word cloud utilizing song titles </a:t>
+            </a:r>
+          </a:p>
+          <a:p>
+            <a:pPr lvl="2">
+              <a:lnSpc>
+                <a:spcPct val="100000"/>
+              </a:lnSpc>
+            </a:pPr>
+            <a:r>
+              <a:rPr lang="en-US" sz="1500" dirty="0"/>
+              <a:t>Common, nonmeaningful words were filtered out (”A”, “To”, etc.) </a:t>
+            </a:r>
+          </a:p>
+          <a:p>
+            <a:pPr lvl="1">
+              <a:lnSpc>
+                <a:spcPct val="100000"/>
+              </a:lnSpc>
+            </a:pPr>
+            <a:r>
+              <a:rPr lang="en-US" sz="1500" dirty="0"/>
+              <a:t>Filtered by music category</a:t>
+            </a:r>
+          </a:p>
+          <a:p>
+            <a:pPr>
+              <a:lnSpc>
+                <a:spcPct val="100000"/>
+              </a:lnSpc>
+            </a:pPr>
+            <a:r>
+              <a:rPr lang="en-US" sz="1500" dirty="0"/>
+              <a:t>User interaction</a:t>
+            </a:r>
+          </a:p>
+          <a:p>
+            <a:pPr lvl="1">
+              <a:lnSpc>
+                <a:spcPct val="100000"/>
+              </a:lnSpc>
+            </a:pPr>
+            <a:r>
+              <a:rPr lang="en-US" sz="1500" dirty="0"/>
+              <a:t>User can choose which category they are interested in exploring</a:t>
+            </a:r>
+          </a:p>
+          <a:p>
+            <a:pPr>
+              <a:lnSpc>
+                <a:spcPct val="100000"/>
+              </a:lnSpc>
+            </a:pPr>
+            <a:endParaRPr lang="en-US" sz="1500" dirty="0"/>
+          </a:p>
+          <a:p>
+            <a:pPr marL="457200" lvl="1" indent="0">
+              <a:lnSpc>
+                <a:spcPct val="100000"/>
+              </a:lnSpc>
+              <a:buNone/>
+            </a:pPr>
+            <a:endParaRPr lang="en-US" sz="1500" dirty="0"/>
+          </a:p>
+        </p:txBody>
+      </p:sp>
+      <p:sp>
+        <p:nvSpPr>
+          <p:cNvPr id="11" name="Round Same Side Corner Rectangle 10">
+            <a:extLst>
+              <a:ext uri="{FF2B5EF4-FFF2-40B4-BE49-F238E27FC236}">
+                <a16:creationId xmlns:a16="http://schemas.microsoft.com/office/drawing/2014/main" id="{4E3D6585-A87F-1C5C-2A7F-F607E0BE673B}"/>
+              </a:ext>
+            </a:extLst>
+          </p:cNvPr>
+          <p:cNvSpPr/>
+          <p:nvPr/>
+        </p:nvSpPr>
+        <p:spPr>
+          <a:xfrm>
+            <a:off x="6096000" y="1341722"/>
+            <a:ext cx="4884517" cy="4420245"/>
+          </a:xfrm>
+          <a:prstGeom prst="round2SameRect">
+            <a:avLst/>
+          </a:prstGeom>
+          <a:ln>
+            <a:solidFill>
+              <a:schemeClr val="accent3"/>
+            </a:solidFill>
+          </a:ln>
+        </p:spPr>
+        <p:style>
+          <a:lnRef idx="2">
+            <a:schemeClr val="accent6"/>
+          </a:lnRef>
+          <a:fillRef idx="1">
+            <a:schemeClr val="lt1"/>
+          </a:fillRef>
+          <a:effectRef idx="0">
+            <a:schemeClr val="accent6"/>
+          </a:effectRef>
+          <a:fontRef idx="minor">
+            <a:schemeClr val="dk1"/>
+          </a:fontRef>
+        </p:style>
+        <p:txBody>
+          <a:bodyPr rtlCol="0" anchor="ctr"/>
+          <a:lstStyle/>
+          <a:p>
+            <a:pPr algn="ctr"/>
+            <a:endParaRPr lang="en-US"/>
+          </a:p>
+        </p:txBody>
+      </p:sp>
+      <p:pic>
+        <p:nvPicPr>
+          <p:cNvPr id="10" name="Picture 9" descr="A screenshot of a phone&#10;&#10;Description automatically generated">
+            <a:extLst>
+              <a:ext uri="{FF2B5EF4-FFF2-40B4-BE49-F238E27FC236}">
+                <a16:creationId xmlns:a16="http://schemas.microsoft.com/office/drawing/2014/main" id="{727060DE-3D71-AB48-F4D9-CBA755E6FD13}"/>
+              </a:ext>
+            </a:extLst>
+          </p:cNvPr>
+          <p:cNvPicPr>
+            <a:picLocks noChangeAspect="1"/>
+          </p:cNvPicPr>
+          <p:nvPr/>
+        </p:nvPicPr>
+        <p:blipFill>
+          <a:blip r:embed="rId2"/>
+          <a:stretch>
+            <a:fillRect/>
+          </a:stretch>
+        </p:blipFill>
+        <p:spPr>
+          <a:xfrm>
+            <a:off x="6637418" y="1471886"/>
+            <a:ext cx="3801680" cy="4259585"/>
+          </a:xfrm>
+          <a:prstGeom prst="rect">
+            <a:avLst/>
+          </a:prstGeom>
+        </p:spPr>
+      </p:pic>
+    </p:spTree>
+    <p:extLst>
+      <p:ext uri="{BB962C8B-B14F-4D97-AF65-F5344CB8AC3E}">
+        <p14:creationId xmlns:p14="http://schemas.microsoft.com/office/powerpoint/2010/main" val="1566716607"/>
+      </p:ext>
+    </p:extLst>
+  </p:cSld>
+  <p:clrMapOvr>
+    <a:overrideClrMapping bg1="dk1" tx1="lt1" bg2="dk2" tx2="lt2" accent1="accent1" accent2="accent2" accent3="accent3" accent4="accent4" accent5="accent5" accent6="accent6" hlink="hlink" folHlink="folHlink"/>
+  </p:clrMapOvr>
+</p:sld>
+</file>
+
+<file path=ppt/slides/slide6.xml><?xml version="1.0" encoding="utf-8"?>
+<p:sld xmlns:a="http://schemas.openxmlformats.org/drawingml/2006/main" xmlns:r="http://schemas.openxmlformats.org/officeDocument/2006/relationships" xmlns:p="http://schemas.openxmlformats.org/presentationml/2006/main">
+  <p:cSld>
+    <p:spTree>
+      <p:nvGrpSpPr>
+        <p:cNvPr id="1" name=""/>
+        <p:cNvGrpSpPr/>
+        <p:nvPr/>
+      </p:nvGrpSpPr>
+      <p:grpSpPr>
+        <a:xfrm>
+          <a:off x="0" y="0"/>
+          <a:ext cx="0" cy="0"/>
+          <a:chOff x="0" y="0"/>
+          <a:chExt cx="0" cy="0"/>
+        </a:xfrm>
+      </p:grpSpPr>
+      <p:sp>
+        <p:nvSpPr>
+          <p:cNvPr id="8" name="Title 1">
+            <a:extLst>
+              <a:ext uri="{FF2B5EF4-FFF2-40B4-BE49-F238E27FC236}">
+                <a16:creationId xmlns:a16="http://schemas.microsoft.com/office/drawing/2014/main" id="{3187C2FA-BCE1-1DAF-B834-B62CE1292DA4}"/>
+              </a:ext>
+            </a:extLst>
+          </p:cNvPr>
+          <p:cNvSpPr>
+            <a:spLocks noGrp="1"/>
+          </p:cNvSpPr>
+          <p:nvPr>
+            <p:ph type="title"/>
+          </p:nvPr>
+        </p:nvSpPr>
+        <p:spPr>
+          <a:xfrm>
+            <a:off x="838199" y="727323"/>
+            <a:ext cx="3842317" cy="1228799"/>
+          </a:xfrm>
+        </p:spPr>
+        <p:txBody>
+          <a:bodyPr anchor="b">
+            <a:normAutofit/>
+          </a:bodyPr>
+          <a:lstStyle/>
+          <a:p>
+            <a:r>
+              <a:rPr lang="en-US" dirty="0"/>
+              <a:t>Lyric Analysis</a:t>
+            </a:r>
+          </a:p>
+        </p:txBody>
+      </p:sp>
+      <p:sp>
+        <p:nvSpPr>
+          <p:cNvPr id="9" name="Content Placeholder 2">
+            <a:extLst>
+              <a:ext uri="{FF2B5EF4-FFF2-40B4-BE49-F238E27FC236}">
+                <a16:creationId xmlns:a16="http://schemas.microsoft.com/office/drawing/2014/main" id="{E3A4ADA4-342D-C0DF-2EFB-19D1075DC055}"/>
+              </a:ext>
+            </a:extLst>
+          </p:cNvPr>
+          <p:cNvSpPr>
+            <a:spLocks noGrp="1"/>
+          </p:cNvSpPr>
+          <p:nvPr>
+            <p:ph idx="1"/>
+          </p:nvPr>
+        </p:nvSpPr>
+        <p:spPr>
+          <a:xfrm>
+            <a:off x="838199" y="1956122"/>
+            <a:ext cx="4289386" cy="4220840"/>
+          </a:xfrm>
+        </p:spPr>
+        <p:txBody>
+          <a:bodyPr>
+            <a:normAutofit/>
+          </a:bodyPr>
+          <a:lstStyle/>
+          <a:p>
+            <a:pPr>
+              <a:lnSpc>
+                <a:spcPct val="100000"/>
+              </a:lnSpc>
+            </a:pPr>
+            <a:r>
+              <a:rPr lang="en-US" sz="1500" dirty="0"/>
+              <a:t>Data</a:t>
+            </a:r>
+          </a:p>
+          <a:p>
+            <a:pPr lvl="1">
+              <a:lnSpc>
+                <a:spcPct val="100000"/>
+              </a:lnSpc>
+            </a:pPr>
+            <a:r>
+              <a:rPr lang="en-US" sz="1500" dirty="0"/>
+              <a:t>FILL IN</a:t>
+            </a:r>
+          </a:p>
+          <a:p>
+            <a:pPr>
+              <a:lnSpc>
+                <a:spcPct val="100000"/>
+              </a:lnSpc>
+            </a:pPr>
+            <a:r>
+              <a:rPr lang="en-US" sz="1500" dirty="0"/>
+              <a:t>Data visualization</a:t>
+            </a:r>
+          </a:p>
+          <a:p>
+            <a:pPr lvl="1">
+              <a:lnSpc>
+                <a:spcPct val="100000"/>
+              </a:lnSpc>
+            </a:pPr>
+            <a:r>
+              <a:rPr lang="en-US" sz="1500" dirty="0"/>
+              <a:t>FILL IN</a:t>
+            </a:r>
+          </a:p>
+          <a:p>
+            <a:pPr>
+              <a:lnSpc>
+                <a:spcPct val="100000"/>
+              </a:lnSpc>
+            </a:pPr>
+            <a:r>
+              <a:rPr lang="en-US" sz="1500" dirty="0"/>
+              <a:t>User interaction</a:t>
+            </a:r>
+          </a:p>
+          <a:p>
+            <a:pPr lvl="1">
+              <a:lnSpc>
+                <a:spcPct val="100000"/>
+              </a:lnSpc>
+            </a:pPr>
+            <a:r>
+              <a:rPr lang="en-US" sz="1500" dirty="0"/>
+              <a:t>FILL IN</a:t>
+            </a:r>
+          </a:p>
+          <a:p>
+            <a:pPr>
+              <a:lnSpc>
+                <a:spcPct val="100000"/>
+              </a:lnSpc>
+            </a:pPr>
+            <a:endParaRPr lang="en-US" sz="1500" dirty="0"/>
+          </a:p>
+          <a:p>
+            <a:pPr marL="457200" lvl="1" indent="0">
+              <a:lnSpc>
+                <a:spcPct val="100000"/>
+              </a:lnSpc>
+              <a:buNone/>
+            </a:pPr>
+            <a:endParaRPr lang="en-US" sz="1500" dirty="0"/>
+          </a:p>
+        </p:txBody>
+      </p:sp>
+      <p:sp>
+        <p:nvSpPr>
+          <p:cNvPr id="11" name="Round Same Side Corner Rectangle 10">
+            <a:extLst>
+              <a:ext uri="{FF2B5EF4-FFF2-40B4-BE49-F238E27FC236}">
+                <a16:creationId xmlns:a16="http://schemas.microsoft.com/office/drawing/2014/main" id="{4E3D6585-A87F-1C5C-2A7F-F607E0BE673B}"/>
+              </a:ext>
+            </a:extLst>
+          </p:cNvPr>
+          <p:cNvSpPr/>
+          <p:nvPr/>
+        </p:nvSpPr>
+        <p:spPr>
+          <a:xfrm>
+            <a:off x="6096000" y="1341722"/>
+            <a:ext cx="4884517" cy="4420245"/>
+          </a:xfrm>
+          <a:prstGeom prst="round2SameRect">
+            <a:avLst/>
+          </a:prstGeom>
+          <a:ln>
+            <a:solidFill>
+              <a:schemeClr val="accent3"/>
+            </a:solidFill>
+          </a:ln>
+        </p:spPr>
+        <p:style>
+          <a:lnRef idx="2">
+            <a:schemeClr val="accent6"/>
+          </a:lnRef>
+          <a:fillRef idx="1">
+            <a:schemeClr val="lt1"/>
+          </a:fillRef>
+          <a:effectRef idx="0">
+            <a:schemeClr val="accent6"/>
+          </a:effectRef>
+          <a:fontRef idx="minor">
+            <a:schemeClr val="dk1"/>
+          </a:fontRef>
+        </p:style>
+        <p:txBody>
+          <a:bodyPr rtlCol="0" anchor="ctr"/>
+          <a:lstStyle/>
+          <a:p>
+            <a:pPr algn="ctr"/>
+            <a:endParaRPr lang="en-US"/>
+          </a:p>
+        </p:txBody>
+      </p:sp>
+    </p:spTree>
+    <p:extLst>
+      <p:ext uri="{BB962C8B-B14F-4D97-AF65-F5344CB8AC3E}">
+        <p14:creationId xmlns:p14="http://schemas.microsoft.com/office/powerpoint/2010/main" val="1066484755"/>
+      </p:ext>
+    </p:extLst>
+  </p:cSld>
+  <p:clrMapOvr>
+    <a:overrideClrMapping bg1="dk1" tx1="lt1" bg2="dk2" tx2="lt2" accent1="accent1" accent2="accent2" accent3="accent3" accent4="accent4" accent5="accent5" accent6="accent6" hlink="hlink" folHlink="folHlink"/>
+  </p:clrMapOvr>
+</p:sld>
+</file>
+
+<file path=ppt/slides/slide7.xml><?xml version="1.0" encoding="utf-8"?>
+<p:sld xmlns:a="http://schemas.openxmlformats.org/drawingml/2006/main" xmlns:r="http://schemas.openxmlformats.org/officeDocument/2006/relationships" xmlns:p="http://schemas.openxmlformats.org/presentationml/2006/main">
+  <p:cSld>
+    <p:spTree>
+      <p:nvGrpSpPr>
+        <p:cNvPr id="1" name=""/>
+        <p:cNvGrpSpPr/>
+        <p:nvPr/>
+      </p:nvGrpSpPr>
+      <p:grpSpPr>
+        <a:xfrm>
+          <a:off x="0" y="0"/>
+          <a:ext cx="0" cy="0"/>
+          <a:chOff x="0" y="0"/>
+          <a:chExt cx="0" cy="0"/>
+        </a:xfrm>
+      </p:grpSpPr>
+      <p:sp>
+        <p:nvSpPr>
+          <p:cNvPr id="2" name="Title 1">
+            <a:extLst>
+              <a:ext uri="{FF2B5EF4-FFF2-40B4-BE49-F238E27FC236}">
+                <a16:creationId xmlns:a16="http://schemas.microsoft.com/office/drawing/2014/main" id="{82EF4A52-AAE0-C748-3431-5EF498CBA27C}"/>
+              </a:ext>
+            </a:extLst>
+          </p:cNvPr>
+          <p:cNvSpPr>
+            <a:spLocks noGrp="1"/>
+          </p:cNvSpPr>
+          <p:nvPr>
+            <p:ph type="title"/>
+          </p:nvPr>
+        </p:nvSpPr>
+        <p:spPr>
+          <a:xfrm>
+            <a:off x="838200" y="827727"/>
+            <a:ext cx="8648158" cy="1495887"/>
+          </a:xfrm>
+        </p:spPr>
+        <p:txBody>
+          <a:bodyPr>
+            <a:normAutofit/>
+          </a:bodyPr>
+          <a:lstStyle/>
+          <a:p>
+            <a:r>
+              <a:rPr lang="en-US" dirty="0"/>
+              <a:t>Future Avenues for Exploration </a:t>
+            </a:r>
           </a:p>
         </p:txBody>
       </p:sp>
@@ -5888,14 +5263,36 @@
           </a:bodyPr>
           <a:lstStyle/>
           <a:p>
-            <a:endParaRPr lang="en-US"/>
+            <a:r>
+              <a:rPr lang="en-US" dirty="0"/>
+              <a:t>More years gathered for analysis </a:t>
+            </a:r>
+          </a:p>
+          <a:p>
+            <a:r>
+              <a:rPr lang="en-US" dirty="0"/>
+              <a:t>Music features analysis by </a:t>
+            </a:r>
+            <a:r>
+              <a:rPr lang="en-US"/>
+              <a:t>albums </a:t>
+            </a:r>
+          </a:p>
+          <a:p>
+            <a:endParaRPr lang="en-US" dirty="0"/>
+          </a:p>
+          <a:p>
+            <a:endParaRPr lang="en-US" dirty="0"/>
+          </a:p>
+          <a:p>
+            <a:endParaRPr lang="en-US" dirty="0"/>
           </a:p>
         </p:txBody>
       </p:sp>
     </p:spTree>
     <p:extLst>
       <p:ext uri="{BB962C8B-B14F-4D97-AF65-F5344CB8AC3E}">
-        <p14:creationId xmlns:p14="http://schemas.microsoft.com/office/powerpoint/2010/main" val="1133826956"/>
+        <p14:creationId xmlns:p14="http://schemas.microsoft.com/office/powerpoint/2010/main" val="1105352726"/>
       </p:ext>
     </p:extLst>
   </p:cSld>

--- a/Spotify Project.pptx
+++ b/Spotify Project.pptx
@@ -280,7 +280,7 @@
           <a:p>
             <a:fld id="{9549D6DC-E1CB-4874-BF52-C3407230D20E}" type="datetime1">
               <a:rPr lang="en-US" smtClean="0"/>
-              <a:t>1/21/24</a:t>
+              <a:t>1/22/2024</a:t>
             </a:fld>
             <a:endParaRPr lang="en-US"/>
           </a:p>
@@ -489,7 +489,7 @@
           <a:p>
             <a:fld id="{F7701D81-C4B9-4A87-89A7-22E29E6C9200}" type="datetime1">
               <a:rPr lang="en-US" smtClean="0"/>
-              <a:t>1/21/24</a:t>
+              <a:t>1/22/2024</a:t>
             </a:fld>
             <a:endParaRPr lang="en-US"/>
           </a:p>
@@ -699,7 +699,7 @@
           <a:p>
             <a:fld id="{EE307718-69F7-427E-95A3-C1246AF46913}" type="datetime1">
               <a:rPr lang="en-US" smtClean="0"/>
-              <a:t>1/21/24</a:t>
+              <a:t>1/22/2024</a:t>
             </a:fld>
             <a:endParaRPr lang="en-US"/>
           </a:p>
@@ -899,7 +899,7 @@
           <a:p>
             <a:fld id="{48913E51-B7F7-4C24-B8E3-5471755DC0E0}" type="datetime1">
               <a:rPr lang="en-US" smtClean="0"/>
-              <a:t>1/21/24</a:t>
+              <a:t>1/22/2024</a:t>
             </a:fld>
             <a:endParaRPr lang="en-US"/>
           </a:p>
@@ -1180,7 +1180,7 @@
           <a:p>
             <a:fld id="{DA91A59F-D956-4598-A3C1-AE72A5387751}" type="datetime1">
               <a:rPr lang="en-US" smtClean="0"/>
-              <a:t>1/21/24</a:t>
+              <a:t>1/22/2024</a:t>
             </a:fld>
             <a:endParaRPr lang="en-US" dirty="0"/>
           </a:p>
@@ -1448,7 +1448,7 @@
           <a:p>
             <a:fld id="{D70BBD69-7BD3-4731-8064-242619E92CBE}" type="datetime1">
               <a:rPr lang="en-US" smtClean="0"/>
-              <a:t>1/21/24</a:t>
+              <a:t>1/22/2024</a:t>
             </a:fld>
             <a:endParaRPr lang="en-US"/>
           </a:p>
@@ -1903,7 +1903,7 @@
           <a:p>
             <a:fld id="{38BD77D9-239F-488B-9358-023C46BC7084}" type="datetime1">
               <a:rPr lang="en-US" smtClean="0"/>
-              <a:t>1/21/24</a:t>
+              <a:t>1/22/2024</a:t>
             </a:fld>
             <a:endParaRPr lang="en-US"/>
           </a:p>
@@ -2050,7 +2050,7 @@
           <a:p>
             <a:fld id="{1EE61C24-7140-4FDE-92F3-654C6E2D3C1C}" type="datetime1">
               <a:rPr lang="en-US" smtClean="0"/>
-              <a:t>1/21/24</a:t>
+              <a:t>1/22/2024</a:t>
             </a:fld>
             <a:endParaRPr lang="en-US"/>
           </a:p>
@@ -2163,7 +2163,7 @@
           <a:p>
             <a:fld id="{DC4D6ACF-ECB9-4B5F-A429-08B8AC75E8EF}" type="datetime1">
               <a:rPr lang="en-US" smtClean="0"/>
-              <a:t>1/21/24</a:t>
+              <a:t>1/22/2024</a:t>
             </a:fld>
             <a:endParaRPr lang="en-US"/>
           </a:p>
@@ -2482,7 +2482,7 @@
           <a:p>
             <a:fld id="{788B429B-EE2A-486A-BDB9-0C848B4FAFDD}" type="datetime1">
               <a:rPr lang="en-US" smtClean="0"/>
-              <a:t>1/21/24</a:t>
+              <a:t>1/22/2024</a:t>
             </a:fld>
             <a:endParaRPr lang="en-US"/>
           </a:p>
@@ -2779,7 +2779,7 @@
           <a:p>
             <a:fld id="{8DA5FE4A-CB8D-40AB-BFFC-AAF37EA071CB}" type="datetime1">
               <a:rPr lang="en-US" smtClean="0"/>
-              <a:t>1/21/24</a:t>
+              <a:t>1/22/2024</a:t>
             </a:fld>
             <a:endParaRPr lang="en-US"/>
           </a:p>
@@ -3432,7 +3432,7 @@
           <a:p>
             <a:fld id="{C0517C94-3B1E-4991-BED3-41F8B0158A00}" type="datetime1">
               <a:rPr lang="en-US" smtClean="0"/>
-              <a:t>1/21/24</a:t>
+              <a:t>1/22/2024</a:t>
             </a:fld>
             <a:endParaRPr lang="en-US" dirty="0"/>
           </a:p>
@@ -4420,7 +4420,7 @@
             <a:pPr lvl="1"/>
             <a:r>
               <a:rPr lang="en-US" dirty="0"/>
-              <a:t>Music Features: Popularity, Danceability, Energy, Tempo, Duration</a:t>
+              <a:t>Music Features: Popularity, Danceability, Energy, Tempo, Duration (removed)</a:t>
             </a:r>
           </a:p>
           <a:p>
@@ -4477,7 +4477,7 @@
         </p:nvSpPr>
         <p:spPr>
           <a:xfrm>
-            <a:off x="838199" y="727323"/>
+            <a:off x="838199" y="677704"/>
             <a:ext cx="3842317" cy="1228799"/>
           </a:xfrm>
         </p:spPr>
@@ -4512,7 +4512,7 @@
         </p:nvSpPr>
         <p:spPr>
           <a:xfrm>
-            <a:off x="838199" y="1956122"/>
+            <a:off x="838199" y="1906503"/>
             <a:ext cx="4289386" cy="4220840"/>
           </a:xfrm>
         </p:spPr>
@@ -4540,7 +4540,18 @@
             </a:pPr>
             <a:r>
               <a:rPr lang="en-US" sz="1500" dirty="0"/>
-              <a:t>FILL IN</a:t>
+              <a:t>Data was taken from the top ten table.</a:t>
+            </a:r>
+          </a:p>
+          <a:p>
+            <a:pPr lvl="1">
+              <a:lnSpc>
+                <a:spcPct val="100000"/>
+              </a:lnSpc>
+            </a:pPr>
+            <a:r>
+              <a:rPr lang="en-US" sz="1500" dirty="0"/>
+              <a:t>Top 10 songs for the two chosen years.</a:t>
             </a:r>
           </a:p>
           <a:p>
@@ -4561,8 +4572,38 @@
               </a:lnSpc>
             </a:pPr>
             <a:r>
+              <a:rPr lang="en-US" sz="1500" dirty="0" err="1"/>
+              <a:t>Plotly</a:t>
+            </a:r>
+            <a:r>
               <a:rPr lang="en-US" sz="1500" dirty="0"/>
-              <a:t>FILL IN</a:t>
+              <a:t> bar chart of music features</a:t>
+            </a:r>
+          </a:p>
+          <a:p>
+            <a:pPr lvl="2">
+              <a:lnSpc>
+                <a:spcPct val="100000"/>
+              </a:lnSpc>
+            </a:pPr>
+            <a:r>
+              <a:rPr lang="en-US" dirty="0"/>
+              <a:t>Popularity, Danceability, Energy, Tempo, Duration (removed)</a:t>
+            </a:r>
+            <a:r>
+              <a:rPr lang="en-US" sz="1400" dirty="0"/>
+              <a:t> </a:t>
+            </a:r>
+          </a:p>
+          <a:p>
+            <a:pPr lvl="1">
+              <a:lnSpc>
+                <a:spcPct val="100000"/>
+              </a:lnSpc>
+            </a:pPr>
+            <a:r>
+              <a:rPr lang="en-US" sz="1500" dirty="0"/>
+              <a:t>Average of top 10 songs</a:t>
             </a:r>
           </a:p>
           <a:p>
@@ -4584,7 +4625,7 @@
             </a:pPr>
             <a:r>
               <a:rPr lang="en-US" sz="1500" dirty="0"/>
-              <a:t>FILL IN</a:t>
+              <a:t>User chooses two years to compare</a:t>
             </a:r>
           </a:p>
           <a:p>
@@ -4608,10 +4649,10 @@
       </p:sp>
       <p:sp>
         <p:nvSpPr>
-          <p:cNvPr id="11" name="Round Same Side Corner Rectangle 10">
-            <a:extLst>
-              <a:ext uri="{FF2B5EF4-FFF2-40B4-BE49-F238E27FC236}">
-                <a16:creationId xmlns:a16="http://schemas.microsoft.com/office/drawing/2014/main" id="{4E3D6585-A87F-1C5C-2A7F-F607E0BE673B}"/>
+          <p:cNvPr id="4" name="Round Same Side Corner Rectangle 10">
+            <a:extLst>
+              <a:ext uri="{FF2B5EF4-FFF2-40B4-BE49-F238E27FC236}">
+                <a16:creationId xmlns:a16="http://schemas.microsoft.com/office/drawing/2014/main" id="{7A58F894-9C64-7239-259A-138FC2631221}"/>
               </a:ext>
             </a:extLst>
           </p:cNvPr>
@@ -4655,6 +4696,36 @@
           </a:p>
         </p:txBody>
       </p:sp>
+      <p:pic>
+        <p:nvPicPr>
+          <p:cNvPr id="6" name="Picture 5">
+            <a:extLst>
+              <a:ext uri="{FF2B5EF4-FFF2-40B4-BE49-F238E27FC236}">
+                <a16:creationId xmlns:a16="http://schemas.microsoft.com/office/drawing/2014/main" id="{532968F0-C1E1-0436-A64D-C1EE68F904A9}"/>
+              </a:ext>
+            </a:extLst>
+          </p:cNvPr>
+          <p:cNvPicPr>
+            <a:picLocks noChangeAspect="1"/>
+          </p:cNvPicPr>
+          <p:nvPr/>
+        </p:nvPicPr>
+        <p:blipFill>
+          <a:blip r:embed="rId2"/>
+          <a:stretch>
+            <a:fillRect/>
+          </a:stretch>
+        </p:blipFill>
+        <p:spPr>
+          <a:xfrm>
+            <a:off x="6677748" y="1561961"/>
+            <a:ext cx="3550773" cy="4095454"/>
+          </a:xfrm>
+          <a:prstGeom prst="rect">
+            <a:avLst/>
+          </a:prstGeom>
+        </p:spPr>
+      </p:pic>
     </p:spTree>
     <p:extLst>
       <p:ext uri="{BB962C8B-B14F-4D97-AF65-F5344CB8AC3E}">
@@ -5055,7 +5126,18 @@
             </a:pPr>
             <a:r>
               <a:rPr lang="en-US" sz="1500" dirty="0"/>
-              <a:t>FILL IN</a:t>
+              <a:t>Data was taken from the top ten table.</a:t>
+            </a:r>
+          </a:p>
+          <a:p>
+            <a:pPr lvl="1">
+              <a:lnSpc>
+                <a:spcPct val="100000"/>
+              </a:lnSpc>
+            </a:pPr>
+            <a:r>
+              <a:rPr lang="en-US" sz="1500" dirty="0"/>
+              <a:t>Top song for the two chosen years.</a:t>
             </a:r>
           </a:p>
           <a:p>
@@ -5076,8 +5158,34 @@
               </a:lnSpc>
             </a:pPr>
             <a:r>
+              <a:rPr lang="en-US" sz="1500" dirty="0" err="1"/>
+              <a:t>Plotly</a:t>
+            </a:r>
+            <a:r>
               <a:rPr lang="en-US" sz="1500" dirty="0"/>
-              <a:t>FILL IN</a:t>
+              <a:t> horizontal bar chart of lyric frequency</a:t>
+            </a:r>
+          </a:p>
+          <a:p>
+            <a:pPr lvl="2">
+              <a:lnSpc>
+                <a:spcPct val="100000"/>
+              </a:lnSpc>
+            </a:pPr>
+            <a:r>
+              <a:rPr lang="en-US" sz="1400" dirty="0"/>
+              <a:t>Common, nonmeaningful words were filtered out (”A”, “To”, etc.) </a:t>
+            </a:r>
+          </a:p>
+          <a:p>
+            <a:pPr lvl="1">
+              <a:lnSpc>
+                <a:spcPct val="100000"/>
+              </a:lnSpc>
+            </a:pPr>
+            <a:r>
+              <a:rPr lang="en-US" sz="1500" dirty="0"/>
+              <a:t>Filtered to top 25 lyrics</a:t>
             </a:r>
           </a:p>
           <a:p>
@@ -5099,7 +5207,7 @@
             </a:pPr>
             <a:r>
               <a:rPr lang="en-US" sz="1500" dirty="0"/>
-              <a:t>FILL IN</a:t>
+              <a:t>User chooses two years to compare</a:t>
             </a:r>
           </a:p>
           <a:p>
@@ -5170,6 +5278,65 @@
           </a:p>
         </p:txBody>
       </p:sp>
+      <p:pic>
+        <p:nvPicPr>
+          <p:cNvPr id="3" name="Picture 2">
+            <a:extLst>
+              <a:ext uri="{FF2B5EF4-FFF2-40B4-BE49-F238E27FC236}">
+                <a16:creationId xmlns:a16="http://schemas.microsoft.com/office/drawing/2014/main" id="{0AA2DCC1-98AD-231E-DB01-B7ECD0249878}"/>
+              </a:ext>
+            </a:extLst>
+          </p:cNvPr>
+          <p:cNvPicPr>
+            <a:picLocks noChangeAspect="1"/>
+          </p:cNvPicPr>
+          <p:nvPr/>
+        </p:nvPicPr>
+        <p:blipFill rotWithShape="1">
+          <a:blip r:embed="rId2"/>
+          <a:srcRect r="25815"/>
+          <a:stretch/>
+        </p:blipFill>
+        <p:spPr>
+          <a:xfrm>
+            <a:off x="6169564" y="2714847"/>
+            <a:ext cx="4668557" cy="3025970"/>
+          </a:xfrm>
+          <a:prstGeom prst="rect">
+            <a:avLst/>
+          </a:prstGeom>
+        </p:spPr>
+      </p:pic>
+      <p:pic>
+        <p:nvPicPr>
+          <p:cNvPr id="4" name="Picture 3">
+            <a:extLst>
+              <a:ext uri="{FF2B5EF4-FFF2-40B4-BE49-F238E27FC236}">
+                <a16:creationId xmlns:a16="http://schemas.microsoft.com/office/drawing/2014/main" id="{FE4B3EC3-D1B2-B7E6-40FF-EE579336ABA1}"/>
+              </a:ext>
+            </a:extLst>
+          </p:cNvPr>
+          <p:cNvPicPr>
+            <a:picLocks noChangeAspect="1"/>
+          </p:cNvPicPr>
+          <p:nvPr/>
+        </p:nvPicPr>
+        <p:blipFill>
+          <a:blip r:embed="rId3"/>
+          <a:stretch>
+            <a:fillRect/>
+          </a:stretch>
+        </p:blipFill>
+        <p:spPr>
+          <a:xfrm>
+            <a:off x="7546928" y="1587687"/>
+            <a:ext cx="3094908" cy="1045749"/>
+          </a:xfrm>
+          <a:prstGeom prst="rect">
+            <a:avLst/>
+          </a:prstGeom>
+        </p:spPr>
+      </p:pic>
     </p:spTree>
     <p:extLst>
       <p:ext uri="{BB962C8B-B14F-4D97-AF65-F5344CB8AC3E}">
@@ -5265,17 +5432,19 @@
           <a:p>
             <a:r>
               <a:rPr lang="en-US" dirty="0"/>
-              <a:t>More years gathered for analysis </a:t>
+              <a:t>More years gathered for analysis</a:t>
             </a:r>
           </a:p>
           <a:p>
             <a:r>
               <a:rPr lang="en-US" dirty="0"/>
-              <a:t>Music features analysis by </a:t>
-            </a:r>
-            <a:r>
-              <a:rPr lang="en-US"/>
-              <a:t>albums </a:t>
+              <a:t>Search for the top 25 lyrics for the top 10 songs of the year </a:t>
+            </a:r>
+          </a:p>
+          <a:p>
+            <a:r>
+              <a:rPr lang="en-US" dirty="0"/>
+              <a:t>Music features analysis by albums </a:t>
             </a:r>
           </a:p>
           <a:p>
